--- a/2019110633 이상혁 발표.pptx
+++ b/2019110633 이상혁 발표.pptx
@@ -5,24 +5,25 @@
     <p:sldMasterId id="2147483696" r:id="rId1"/>
   </p:sldMasterIdLst>
   <p:notesMasterIdLst>
-    <p:notesMasterId r:id="rId14"/>
+    <p:notesMasterId r:id="rId15"/>
   </p:notesMasterIdLst>
   <p:handoutMasterIdLst>
-    <p:handoutMasterId r:id="rId15"/>
+    <p:handoutMasterId r:id="rId16"/>
   </p:handoutMasterIdLst>
   <p:sldIdLst>
     <p:sldId id="257" r:id="rId2"/>
     <p:sldId id="258" r:id="rId3"/>
     <p:sldId id="259" r:id="rId4"/>
-    <p:sldId id="260" r:id="rId5"/>
-    <p:sldId id="261" r:id="rId6"/>
-    <p:sldId id="262" r:id="rId7"/>
-    <p:sldId id="263" r:id="rId8"/>
-    <p:sldId id="264" r:id="rId9"/>
-    <p:sldId id="265" r:id="rId10"/>
-    <p:sldId id="266" r:id="rId11"/>
-    <p:sldId id="267" r:id="rId12"/>
-    <p:sldId id="268" r:id="rId13"/>
+    <p:sldId id="266" r:id="rId5"/>
+    <p:sldId id="265" r:id="rId6"/>
+    <p:sldId id="269" r:id="rId7"/>
+    <p:sldId id="260" r:id="rId8"/>
+    <p:sldId id="262" r:id="rId9"/>
+    <p:sldId id="263" r:id="rId10"/>
+    <p:sldId id="270" r:id="rId11"/>
+    <p:sldId id="264" r:id="rId12"/>
+    <p:sldId id="267" r:id="rId13"/>
+    <p:sldId id="268" r:id="rId14"/>
   </p:sldIdLst>
   <p:sldSz cx="12192000" cy="6858000"/>
   <p:notesSz cx="6858000" cy="9144000"/>
@@ -153,6 +154,233 @@
 </p:presentation>
 </file>
 
+<file path=ppt/revisionInfo.xml><?xml version="1.0" encoding="utf-8"?>
+<p1510:revInfo xmlns:a="http://schemas.openxmlformats.org/drawingml/2006/main" xmlns:r="http://schemas.openxmlformats.org/officeDocument/2006/relationships" xmlns:p1510="http://schemas.microsoft.com/office/powerpoint/2015/10/main">
+  <p1510:revLst>
+    <p1510:client id="{57A1FC32-302D-416B-AD27-0AE95F45FE63}" v="55" dt="2022-12-05T07:50:08.805"/>
+  </p1510:revLst>
+</p1510:revInfo>
+</file>
+
+<file path=ppt/changesInfos/changesInfo1.xml><?xml version="1.0" encoding="utf-8"?>
+<pc:chgInfo xmlns:a="http://schemas.openxmlformats.org/drawingml/2006/main" xmlns:r="http://schemas.openxmlformats.org/officeDocument/2006/relationships" xmlns:ac="http://schemas.microsoft.com/office/drawing/2013/main/command" xmlns:pc="http://schemas.microsoft.com/office/powerpoint/2013/main/command">
+  <pc:docChgLst>
+    <pc:chgData name="2019110633@office.khu.ac.kr" userId="8e9b3003-abae-4d79-af14-540fb330da25" providerId="ADAL" clId="{57A1FC32-302D-416B-AD27-0AE95F45FE63}"/>
+    <pc:docChg chg="undo custSel addSld delSld modSld sldOrd">
+      <pc:chgData name="2019110633@office.khu.ac.kr" userId="8e9b3003-abae-4d79-af14-540fb330da25" providerId="ADAL" clId="{57A1FC32-302D-416B-AD27-0AE95F45FE63}" dt="2022-12-05T07:50:43.077" v="777" actId="20577"/>
+      <pc:docMkLst>
+        <pc:docMk/>
+      </pc:docMkLst>
+      <pc:sldChg chg="modSp mod">
+        <pc:chgData name="2019110633@office.khu.ac.kr" userId="8e9b3003-abae-4d79-af14-540fb330da25" providerId="ADAL" clId="{57A1FC32-302D-416B-AD27-0AE95F45FE63}" dt="2022-12-05T07:09:26.927" v="82" actId="20577"/>
+        <pc:sldMkLst>
+          <pc:docMk/>
+          <pc:sldMk cId="1851896080" sldId="258"/>
+        </pc:sldMkLst>
+        <pc:spChg chg="mod">
+          <ac:chgData name="2019110633@office.khu.ac.kr" userId="8e9b3003-abae-4d79-af14-540fb330da25" providerId="ADAL" clId="{57A1FC32-302D-416B-AD27-0AE95F45FE63}" dt="2022-12-05T07:09:26.927" v="82" actId="20577"/>
+          <ac:spMkLst>
+            <pc:docMk/>
+            <pc:sldMk cId="1851896080" sldId="258"/>
+            <ac:spMk id="3" creationId="{00000000-0000-0000-0000-000000000000}"/>
+          </ac:spMkLst>
+        </pc:spChg>
+      </pc:sldChg>
+      <pc:sldChg chg="delSp mod">
+        <pc:chgData name="2019110633@office.khu.ac.kr" userId="8e9b3003-abae-4d79-af14-540fb330da25" providerId="ADAL" clId="{57A1FC32-302D-416B-AD27-0AE95F45FE63}" dt="2022-12-05T07:09:39.296" v="84" actId="478"/>
+        <pc:sldMkLst>
+          <pc:docMk/>
+          <pc:sldMk cId="997860157" sldId="259"/>
+        </pc:sldMkLst>
+        <pc:spChg chg="del">
+          <ac:chgData name="2019110633@office.khu.ac.kr" userId="8e9b3003-abae-4d79-af14-540fb330da25" providerId="ADAL" clId="{57A1FC32-302D-416B-AD27-0AE95F45FE63}" dt="2022-12-05T07:09:35.925" v="83" actId="478"/>
+          <ac:spMkLst>
+            <pc:docMk/>
+            <pc:sldMk cId="997860157" sldId="259"/>
+            <ac:spMk id="6" creationId="{0BD9743A-49CB-DC73-CF91-8A263444CD23}"/>
+          </ac:spMkLst>
+        </pc:spChg>
+        <pc:spChg chg="del">
+          <ac:chgData name="2019110633@office.khu.ac.kr" userId="8e9b3003-abae-4d79-af14-540fb330da25" providerId="ADAL" clId="{57A1FC32-302D-416B-AD27-0AE95F45FE63}" dt="2022-12-05T07:09:39.296" v="84" actId="478"/>
+          <ac:spMkLst>
+            <pc:docMk/>
+            <pc:sldMk cId="997860157" sldId="259"/>
+            <ac:spMk id="13" creationId="{A5993D3A-F663-5C3E-D14B-593B1B0F6BB1}"/>
+          </ac:spMkLst>
+        </pc:spChg>
+      </pc:sldChg>
+      <pc:sldChg chg="modSp mod ord">
+        <pc:chgData name="2019110633@office.khu.ac.kr" userId="8e9b3003-abae-4d79-af14-540fb330da25" providerId="ADAL" clId="{57A1FC32-302D-416B-AD27-0AE95F45FE63}" dt="2022-12-05T07:18:19.953" v="450" actId="20577"/>
+        <pc:sldMkLst>
+          <pc:docMk/>
+          <pc:sldMk cId="384888077" sldId="260"/>
+        </pc:sldMkLst>
+        <pc:spChg chg="mod">
+          <ac:chgData name="2019110633@office.khu.ac.kr" userId="8e9b3003-abae-4d79-af14-540fb330da25" providerId="ADAL" clId="{57A1FC32-302D-416B-AD27-0AE95F45FE63}" dt="2022-12-05T07:18:19.953" v="450" actId="20577"/>
+          <ac:spMkLst>
+            <pc:docMk/>
+            <pc:sldMk cId="384888077" sldId="260"/>
+            <ac:spMk id="2" creationId="{00000000-0000-0000-0000-000000000000}"/>
+          </ac:spMkLst>
+        </pc:spChg>
+      </pc:sldChg>
+      <pc:sldChg chg="del">
+        <pc:chgData name="2019110633@office.khu.ac.kr" userId="8e9b3003-abae-4d79-af14-540fb330da25" providerId="ADAL" clId="{57A1FC32-302D-416B-AD27-0AE95F45FE63}" dt="2022-12-05T07:18:06.643" v="436" actId="47"/>
+        <pc:sldMkLst>
+          <pc:docMk/>
+          <pc:sldMk cId="4237039325" sldId="261"/>
+        </pc:sldMkLst>
+      </pc:sldChg>
+      <pc:sldChg chg="addSp modSp mod">
+        <pc:chgData name="2019110633@office.khu.ac.kr" userId="8e9b3003-abae-4d79-af14-540fb330da25" providerId="ADAL" clId="{57A1FC32-302D-416B-AD27-0AE95F45FE63}" dt="2022-12-05T07:20:27.271" v="457" actId="1076"/>
+        <pc:sldMkLst>
+          <pc:docMk/>
+          <pc:sldMk cId="3514341159" sldId="262"/>
+        </pc:sldMkLst>
+        <pc:picChg chg="add mod">
+          <ac:chgData name="2019110633@office.khu.ac.kr" userId="8e9b3003-abae-4d79-af14-540fb330da25" providerId="ADAL" clId="{57A1FC32-302D-416B-AD27-0AE95F45FE63}" dt="2022-12-05T07:20:24.260" v="456" actId="1076"/>
+          <ac:picMkLst>
+            <pc:docMk/>
+            <pc:sldMk cId="3514341159" sldId="262"/>
+            <ac:picMk id="5" creationId="{DC659A10-B703-4090-2893-08E43924C206}"/>
+          </ac:picMkLst>
+        </pc:picChg>
+        <pc:picChg chg="mod">
+          <ac:chgData name="2019110633@office.khu.ac.kr" userId="8e9b3003-abae-4d79-af14-540fb330da25" providerId="ADAL" clId="{57A1FC32-302D-416B-AD27-0AE95F45FE63}" dt="2022-12-05T07:20:27.271" v="457" actId="1076"/>
+          <ac:picMkLst>
+            <pc:docMk/>
+            <pc:sldMk cId="3514341159" sldId="262"/>
+            <ac:picMk id="8" creationId="{668DBCF4-D347-218D-4B30-B1B8332E42EB}"/>
+          </ac:picMkLst>
+        </pc:picChg>
+      </pc:sldChg>
+      <pc:sldChg chg="modSp mod">
+        <pc:chgData name="2019110633@office.khu.ac.kr" userId="8e9b3003-abae-4d79-af14-540fb330da25" providerId="ADAL" clId="{57A1FC32-302D-416B-AD27-0AE95F45FE63}" dt="2022-12-05T07:50:43.077" v="777" actId="20577"/>
+        <pc:sldMkLst>
+          <pc:docMk/>
+          <pc:sldMk cId="3046085847" sldId="263"/>
+        </pc:sldMkLst>
+        <pc:spChg chg="mod">
+          <ac:chgData name="2019110633@office.khu.ac.kr" userId="8e9b3003-abae-4d79-af14-540fb330da25" providerId="ADAL" clId="{57A1FC32-302D-416B-AD27-0AE95F45FE63}" dt="2022-12-05T07:50:43.077" v="777" actId="20577"/>
+          <ac:spMkLst>
+            <pc:docMk/>
+            <pc:sldMk cId="3046085847" sldId="263"/>
+            <ac:spMk id="2" creationId="{00000000-0000-0000-0000-000000000000}"/>
+          </ac:spMkLst>
+        </pc:spChg>
+      </pc:sldChg>
+      <pc:sldChg chg="ord">
+        <pc:chgData name="2019110633@office.khu.ac.kr" userId="8e9b3003-abae-4d79-af14-540fb330da25" providerId="ADAL" clId="{57A1FC32-302D-416B-AD27-0AE95F45FE63}" dt="2022-12-05T07:09:53.206" v="86"/>
+        <pc:sldMkLst>
+          <pc:docMk/>
+          <pc:sldMk cId="2822598965" sldId="265"/>
+        </pc:sldMkLst>
+      </pc:sldChg>
+      <pc:sldChg chg="ord">
+        <pc:chgData name="2019110633@office.khu.ac.kr" userId="8e9b3003-abae-4d79-af14-540fb330da25" providerId="ADAL" clId="{57A1FC32-302D-416B-AD27-0AE95F45FE63}" dt="2022-12-05T07:09:56.758" v="88"/>
+        <pc:sldMkLst>
+          <pc:docMk/>
+          <pc:sldMk cId="4155348868" sldId="266"/>
+        </pc:sldMkLst>
+      </pc:sldChg>
+      <pc:sldChg chg="addSp delSp modSp new mod">
+        <pc:chgData name="2019110633@office.khu.ac.kr" userId="8e9b3003-abae-4d79-af14-540fb330da25" providerId="ADAL" clId="{57A1FC32-302D-416B-AD27-0AE95F45FE63}" dt="2022-12-05T07:30:15.562" v="478" actId="21"/>
+        <pc:sldMkLst>
+          <pc:docMk/>
+          <pc:sldMk cId="3907813684" sldId="269"/>
+        </pc:sldMkLst>
+        <pc:spChg chg="mod">
+          <ac:chgData name="2019110633@office.khu.ac.kr" userId="8e9b3003-abae-4d79-af14-540fb330da25" providerId="ADAL" clId="{57A1FC32-302D-416B-AD27-0AE95F45FE63}" dt="2022-12-05T07:12:44.347" v="127" actId="26606"/>
+          <ac:spMkLst>
+            <pc:docMk/>
+            <pc:sldMk cId="3907813684" sldId="269"/>
+            <ac:spMk id="2" creationId="{9156696B-0518-73E1-D77C-3D82900737D7}"/>
+          </ac:spMkLst>
+        </pc:spChg>
+        <pc:spChg chg="mod">
+          <ac:chgData name="2019110633@office.khu.ac.kr" userId="8e9b3003-abae-4d79-af14-540fb330da25" providerId="ADAL" clId="{57A1FC32-302D-416B-AD27-0AE95F45FE63}" dt="2022-12-05T07:30:15.562" v="478" actId="21"/>
+          <ac:spMkLst>
+            <pc:docMk/>
+            <pc:sldMk cId="3907813684" sldId="269"/>
+            <ac:spMk id="3" creationId="{864A1A12-EB80-E1CA-0698-4536435E05BE}"/>
+          </ac:spMkLst>
+        </pc:spChg>
+        <pc:spChg chg="del">
+          <ac:chgData name="2019110633@office.khu.ac.kr" userId="8e9b3003-abae-4d79-af14-540fb330da25" providerId="ADAL" clId="{57A1FC32-302D-416B-AD27-0AE95F45FE63}" dt="2022-12-05T07:10:29.882" v="103" actId="478"/>
+          <ac:spMkLst>
+            <pc:docMk/>
+            <pc:sldMk cId="3907813684" sldId="269"/>
+            <ac:spMk id="4" creationId="{8DA6B6C6-A5C8-88A0-9968-A787B105F276}"/>
+          </ac:spMkLst>
+        </pc:spChg>
+        <pc:picChg chg="add mod">
+          <ac:chgData name="2019110633@office.khu.ac.kr" userId="8e9b3003-abae-4d79-af14-540fb330da25" providerId="ADAL" clId="{57A1FC32-302D-416B-AD27-0AE95F45FE63}" dt="2022-12-05T07:16:08.926" v="435" actId="1076"/>
+          <ac:picMkLst>
+            <pc:docMk/>
+            <pc:sldMk cId="3907813684" sldId="269"/>
+            <ac:picMk id="1026" creationId="{9B4FEF5C-7981-32D8-DC5B-9D155DFCD926}"/>
+          </ac:picMkLst>
+        </pc:picChg>
+      </pc:sldChg>
+      <pc:sldChg chg="addSp delSp modSp new mod ord modClrScheme chgLayout">
+        <pc:chgData name="2019110633@office.khu.ac.kr" userId="8e9b3003-abae-4d79-af14-540fb330da25" providerId="ADAL" clId="{57A1FC32-302D-416B-AD27-0AE95F45FE63}" dt="2022-12-05T07:50:31.461" v="767"/>
+        <pc:sldMkLst>
+          <pc:docMk/>
+          <pc:sldMk cId="1993832607" sldId="270"/>
+        </pc:sldMkLst>
+        <pc:spChg chg="mod">
+          <ac:chgData name="2019110633@office.khu.ac.kr" userId="8e9b3003-abae-4d79-af14-540fb330da25" providerId="ADAL" clId="{57A1FC32-302D-416B-AD27-0AE95F45FE63}" dt="2022-12-05T07:49:18.614" v="502" actId="26606"/>
+          <ac:spMkLst>
+            <pc:docMk/>
+            <pc:sldMk cId="1993832607" sldId="270"/>
+            <ac:spMk id="2" creationId="{8F72C5A9-5884-0838-4597-54E3B26F337E}"/>
+          </ac:spMkLst>
+        </pc:spChg>
+        <pc:spChg chg="del">
+          <ac:chgData name="2019110633@office.khu.ac.kr" userId="8e9b3003-abae-4d79-af14-540fb330da25" providerId="ADAL" clId="{57A1FC32-302D-416B-AD27-0AE95F45FE63}" dt="2022-12-05T07:49:09.726" v="497"/>
+          <ac:spMkLst>
+            <pc:docMk/>
+            <pc:sldMk cId="1993832607" sldId="270"/>
+            <ac:spMk id="3" creationId="{EF96854F-CD06-AD63-9C0F-7E1F62374562}"/>
+          </ac:spMkLst>
+        </pc:spChg>
+        <pc:spChg chg="add mod">
+          <ac:chgData name="2019110633@office.khu.ac.kr" userId="8e9b3003-abae-4d79-af14-540fb330da25" providerId="ADAL" clId="{57A1FC32-302D-416B-AD27-0AE95F45FE63}" dt="2022-12-05T07:50:08.821" v="763" actId="20577"/>
+          <ac:spMkLst>
+            <pc:docMk/>
+            <pc:sldMk cId="1993832607" sldId="270"/>
+            <ac:spMk id="10" creationId="{56C8FD00-BD8D-B01E-6595-6C65AF4B74C0}"/>
+          </ac:spMkLst>
+        </pc:spChg>
+        <pc:picChg chg="add mod">
+          <ac:chgData name="2019110633@office.khu.ac.kr" userId="8e9b3003-abae-4d79-af14-540fb330da25" providerId="ADAL" clId="{57A1FC32-302D-416B-AD27-0AE95F45FE63}" dt="2022-12-05T07:49:18.614" v="502" actId="26606"/>
+          <ac:picMkLst>
+            <pc:docMk/>
+            <pc:sldMk cId="1993832607" sldId="270"/>
+            <ac:picMk id="5" creationId="{3439DE49-9CDB-AB7A-209C-EC4DE1377597}"/>
+          </ac:picMkLst>
+        </pc:picChg>
+      </pc:sldChg>
+      <pc:sldChg chg="modSp new del mod">
+        <pc:chgData name="2019110633@office.khu.ac.kr" userId="8e9b3003-abae-4d79-af14-540fb330da25" providerId="ADAL" clId="{57A1FC32-302D-416B-AD27-0AE95F45FE63}" dt="2022-12-05T07:46:29.233" v="479" actId="47"/>
+        <pc:sldMkLst>
+          <pc:docMk/>
+          <pc:sldMk cId="2687052322" sldId="270"/>
+        </pc:sldMkLst>
+        <pc:spChg chg="mod">
+          <ac:chgData name="2019110633@office.khu.ac.kr" userId="8e9b3003-abae-4d79-af14-540fb330da25" providerId="ADAL" clId="{57A1FC32-302D-416B-AD27-0AE95F45FE63}" dt="2022-12-05T07:22:07.331" v="476" actId="20577"/>
+          <ac:spMkLst>
+            <pc:docMk/>
+            <pc:sldMk cId="2687052322" sldId="270"/>
+            <ac:spMk id="2" creationId="{F11EA4C4-6DF8-7959-793A-042453D33752}"/>
+          </ac:spMkLst>
+        </pc:spChg>
+      </pc:sldChg>
+    </pc:docChg>
+  </pc:docChgLst>
+</pc:chgInfo>
+</file>
+
 <file path=ppt/handoutMasters/handoutMaster1.xml><?xml version="1.0" encoding="utf-8"?>
 <p:handoutMaster xmlns:a="http://schemas.openxmlformats.org/drawingml/2006/main" xmlns:r="http://schemas.openxmlformats.org/officeDocument/2006/relationships" xmlns:p="http://schemas.openxmlformats.org/presentationml/2006/main">
   <p:cSld>
@@ -850,7 +1078,7 @@
             <a:pPr rtl="0"/>
             <a:fld id="{32674CE4-FBD8-4481-AEFB-CA53E599A745}" type="slidenum">
               <a:rPr lang="en-US" altLang="ko-KR" smtClean="0"/>
-              <a:t>10</a:t>
+              <a:t>12</a:t>
             </a:fld>
             <a:endParaRPr lang="ko-KR" altLang="en-US" dirty="0"/>
           </a:p>
@@ -859,7 +1087,7 @@
     </p:spTree>
     <p:extLst>
       <p:ext uri="{BB962C8B-B14F-4D97-AF65-F5344CB8AC3E}">
-        <p14:creationId xmlns:p14="http://schemas.microsoft.com/office/powerpoint/2010/main" val="3083880086"/>
+        <p14:creationId xmlns:p14="http://schemas.microsoft.com/office/powerpoint/2010/main" val="478004735"/>
       </p:ext>
     </p:extLst>
   </p:cSld>
@@ -935,92 +1163,7 @@
             <a:pPr rtl="0"/>
             <a:fld id="{32674CE4-FBD8-4481-AEFB-CA53E599A745}" type="slidenum">
               <a:rPr lang="en-US" altLang="ko-KR" smtClean="0"/>
-              <a:t>11</a:t>
-            </a:fld>
-            <a:endParaRPr lang="ko-KR" altLang="en-US" dirty="0"/>
-          </a:p>
-        </p:txBody>
-      </p:sp>
-    </p:spTree>
-    <p:extLst>
-      <p:ext uri="{BB962C8B-B14F-4D97-AF65-F5344CB8AC3E}">
-        <p14:creationId xmlns:p14="http://schemas.microsoft.com/office/powerpoint/2010/main" val="478004735"/>
-      </p:ext>
-    </p:extLst>
-  </p:cSld>
-  <p:clrMapOvr>
-    <a:masterClrMapping/>
-  </p:clrMapOvr>
-</p:notes>
-</file>
-
-<file path=ppt/notesSlides/notesSlide12.xml><?xml version="1.0" encoding="utf-8"?>
-<p:notes xmlns:a="http://schemas.openxmlformats.org/drawingml/2006/main" xmlns:r="http://schemas.openxmlformats.org/officeDocument/2006/relationships" xmlns:p="http://schemas.openxmlformats.org/presentationml/2006/main">
-  <p:cSld>
-    <p:spTree>
-      <p:nvGrpSpPr>
-        <p:cNvPr id="1" name=""/>
-        <p:cNvGrpSpPr/>
-        <p:nvPr/>
-      </p:nvGrpSpPr>
-      <p:grpSpPr>
-        <a:xfrm>
-          <a:off x="0" y="0"/>
-          <a:ext cx="0" cy="0"/>
-          <a:chOff x="0" y="0"/>
-          <a:chExt cx="0" cy="0"/>
-        </a:xfrm>
-      </p:grpSpPr>
-      <p:sp>
-        <p:nvSpPr>
-          <p:cNvPr id="2" name="슬라이드 이미지 개체 틀 1"/>
-          <p:cNvSpPr>
-            <a:spLocks noGrp="1" noRot="1" noChangeAspect="1"/>
-          </p:cNvSpPr>
-          <p:nvPr>
-            <p:ph type="sldImg"/>
-          </p:nvPr>
-        </p:nvSpPr>
-        <p:spPr/>
-      </p:sp>
-      <p:sp>
-        <p:nvSpPr>
-          <p:cNvPr id="3" name="슬라이드 노트 개체 틀 2"/>
-          <p:cNvSpPr>
-            <a:spLocks noGrp="1"/>
-          </p:cNvSpPr>
-          <p:nvPr>
-            <p:ph type="body" idx="1"/>
-          </p:nvPr>
-        </p:nvSpPr>
-        <p:spPr/>
-        <p:txBody>
-          <a:bodyPr/>
-          <a:lstStyle/>
-          <a:p>
-            <a:endParaRPr lang="ko-KR" altLang="en-US"/>
-          </a:p>
-        </p:txBody>
-      </p:sp>
-      <p:sp>
-        <p:nvSpPr>
-          <p:cNvPr id="4" name="슬라이드 번호 개체 틀 3"/>
-          <p:cNvSpPr>
-            <a:spLocks noGrp="1"/>
-          </p:cNvSpPr>
-          <p:nvPr>
-            <p:ph type="sldNum" sz="quarter" idx="10"/>
-          </p:nvPr>
-        </p:nvSpPr>
-        <p:spPr/>
-        <p:txBody>
-          <a:bodyPr/>
-          <a:lstStyle/>
-          <a:p>
-            <a:pPr rtl="0"/>
-            <a:fld id="{32674CE4-FBD8-4481-AEFB-CA53E599A745}" type="slidenum">
-              <a:rPr lang="en-US" altLang="ko-KR" smtClean="0"/>
-              <a:t>12</a:t>
+              <a:t>13</a:t>
             </a:fld>
             <a:endParaRPr lang="ko-KR" altLang="en-US" dirty="0"/>
           </a:p>
@@ -1281,127 +1424,41 @@
         </p:nvSpPr>
         <p:spPr/>
         <p:txBody>
-          <a:bodyPr rtlCol="0"/>
+          <a:bodyPr/>
+          <a:lstStyle/>
+          <a:p>
+            <a:endParaRPr lang="ko-KR" altLang="en-US"/>
+          </a:p>
+        </p:txBody>
+      </p:sp>
+      <p:sp>
+        <p:nvSpPr>
+          <p:cNvPr id="4" name="슬라이드 번호 개체 틀 3"/>
+          <p:cNvSpPr>
+            <a:spLocks noGrp="1"/>
+          </p:cNvSpPr>
+          <p:nvPr>
+            <p:ph type="sldNum" sz="quarter" idx="10"/>
+          </p:nvPr>
+        </p:nvSpPr>
+        <p:spPr/>
+        <p:txBody>
+          <a:bodyPr/>
           <a:lstStyle/>
           <a:p>
             <a:pPr rtl="0"/>
-            <a:r>
-              <a:rPr lang="ko-KR" altLang="en-US" b="1" dirty="0">
-                <a:ea typeface="맑은 고딕" panose="020B0503020000020004" pitchFamily="50" charset="-127"/>
-              </a:rPr>
-              <a:t>목표 예</a:t>
-            </a:r>
-          </a:p>
-          <a:p>
-            <a:pPr marL="0" indent="0" rtl="0">
-              <a:buFont typeface="Arial" panose="020B0604020202020204" pitchFamily="34" charset="0"/>
-              <a:buNone/>
-            </a:pPr>
-            <a:r>
-              <a:rPr lang="ko-KR" altLang="en-US" dirty="0">
-                <a:ea typeface="맑은 고딕" panose="020B0503020000020004" pitchFamily="50" charset="-127"/>
-              </a:rPr>
-              <a:t>이 단원을 마치면 다음을 수행할 수 있습니다</a:t>
-            </a:r>
-            <a:r>
-              <a:rPr lang="en-US" altLang="ko-KR" dirty="0">
-                <a:ea typeface="맑은 고딕" panose="020B0503020000020004" pitchFamily="50" charset="-127"/>
-              </a:rPr>
-              <a:t>.</a:t>
-            </a:r>
-          </a:p>
-          <a:p>
-            <a:pPr marL="171450" indent="-171450" rtl="0">
-              <a:buFont typeface="Arial" panose="020B0604020202020204" pitchFamily="34" charset="0"/>
-              <a:buChar char="•"/>
-            </a:pPr>
-            <a:r>
-              <a:rPr lang="ko-KR" altLang="en-US" dirty="0">
-                <a:ea typeface="맑은 고딕" panose="020B0503020000020004" pitchFamily="50" charset="-127"/>
-              </a:rPr>
-              <a:t>팀 웹 서버에 파일을 저장합니다</a:t>
-            </a:r>
-            <a:r>
-              <a:rPr lang="en-US" altLang="ko-KR" dirty="0">
-                <a:ea typeface="맑은 고딕" panose="020B0503020000020004" pitchFamily="50" charset="-127"/>
-              </a:rPr>
-              <a:t>.</a:t>
-            </a:r>
-          </a:p>
-          <a:p>
-            <a:pPr marL="171450" indent="-171450" rtl="0">
-              <a:buFont typeface="Arial" panose="020B0604020202020204" pitchFamily="34" charset="0"/>
-              <a:buChar char="•"/>
-            </a:pPr>
-            <a:r>
-              <a:rPr lang="ko-KR" altLang="en-US" dirty="0">
-                <a:ea typeface="맑은 고딕" panose="020B0503020000020004" pitchFamily="50" charset="-127"/>
-              </a:rPr>
-              <a:t>팀 웹 서버의 다른 위치로 파일을 이동합니다</a:t>
-            </a:r>
-            <a:r>
-              <a:rPr lang="en-US" altLang="ko-KR" dirty="0">
-                <a:ea typeface="맑은 고딕" panose="020B0503020000020004" pitchFamily="50" charset="-127"/>
-              </a:rPr>
-              <a:t>.</a:t>
-            </a:r>
-          </a:p>
-          <a:p>
-            <a:pPr marL="171450" indent="-171450" rtl="0">
-              <a:buFont typeface="Arial" panose="020B0604020202020204" pitchFamily="34" charset="0"/>
-              <a:buChar char="•"/>
-            </a:pPr>
-            <a:r>
-              <a:rPr lang="ko-KR" altLang="en-US" dirty="0">
-                <a:ea typeface="맑은 고딕" panose="020B0503020000020004" pitchFamily="50" charset="-127"/>
-              </a:rPr>
-              <a:t>팀 웹 서버의 파일을 공유합니다</a:t>
-            </a:r>
-            <a:r>
-              <a:rPr lang="en-US" altLang="ko-KR" dirty="0">
-                <a:ea typeface="맑은 고딕" panose="020B0503020000020004" pitchFamily="50" charset="-127"/>
-              </a:rPr>
-              <a:t>.</a:t>
-            </a:r>
-          </a:p>
-          <a:p>
-            <a:pPr rtl="0"/>
-            <a:endParaRPr lang="ko-KR" altLang="en-US" noProof="0" dirty="0"/>
-          </a:p>
-          <a:p>
-            <a:pPr rtl="0"/>
-            <a:endParaRPr lang="ko-KR" altLang="en-US" noProof="0" dirty="0"/>
-          </a:p>
-        </p:txBody>
-      </p:sp>
-      <p:sp>
-        <p:nvSpPr>
-          <p:cNvPr id="4" name="슬라이드 번호 개체 틀 3"/>
-          <p:cNvSpPr>
-            <a:spLocks noGrp="1"/>
-          </p:cNvSpPr>
-          <p:nvPr>
-            <p:ph type="sldNum" sz="quarter" idx="10"/>
-          </p:nvPr>
-        </p:nvSpPr>
-        <p:spPr/>
-        <p:txBody>
-          <a:bodyPr rtlCol="0"/>
-          <a:lstStyle/>
-          <a:p>
-            <a:pPr rtl="0"/>
-            <a:fld id="{CF2FD335-6D8E-486A-8F5F-DFC7325903FF}" type="slidenum">
-              <a:rPr lang="en-US" smtClean="0"/>
+            <a:fld id="{32674CE4-FBD8-4481-AEFB-CA53E599A745}" type="slidenum">
+              <a:rPr lang="en-US" altLang="ko-KR" smtClean="0"/>
               <a:t>4</a:t>
             </a:fld>
-            <a:endParaRPr lang="en-US" dirty="0"/>
+            <a:endParaRPr lang="ko-KR" altLang="en-US" dirty="0"/>
           </a:p>
         </p:txBody>
       </p:sp>
     </p:spTree>
     <p:extLst>
       <p:ext uri="{BB962C8B-B14F-4D97-AF65-F5344CB8AC3E}">
-        <p14:creationId xmlns:p14="http://schemas.microsoft.com/office/powerpoint/2010/main" val="3069441310"/>
+        <p14:creationId xmlns:p14="http://schemas.microsoft.com/office/powerpoint/2010/main" val="3083880086"/>
       </p:ext>
     </p:extLst>
   </p:cSld>
@@ -1486,7 +1543,7 @@
     </p:spTree>
     <p:extLst>
       <p:ext uri="{BB962C8B-B14F-4D97-AF65-F5344CB8AC3E}">
-        <p14:creationId xmlns:p14="http://schemas.microsoft.com/office/powerpoint/2010/main" val="3568030504"/>
+        <p14:creationId xmlns:p14="http://schemas.microsoft.com/office/powerpoint/2010/main" val="2443595640"/>
       </p:ext>
     </p:extLst>
   </p:cSld>
@@ -1537,10 +1594,96 @@
         </p:nvSpPr>
         <p:spPr/>
         <p:txBody>
-          <a:bodyPr/>
-          <a:lstStyle/>
-          <a:p>
-            <a:endParaRPr lang="ko-KR" altLang="en-US"/>
+          <a:bodyPr rtlCol="0"/>
+          <a:lstStyle/>
+          <a:p>
+            <a:pPr rtl="0"/>
+            <a:r>
+              <a:rPr lang="ko-KR" altLang="en-US" b="1" dirty="0">
+                <a:ea typeface="맑은 고딕" panose="020B0503020000020004" pitchFamily="50" charset="-127"/>
+              </a:rPr>
+              <a:t>목표 예</a:t>
+            </a:r>
+          </a:p>
+          <a:p>
+            <a:pPr marL="0" indent="0" rtl="0">
+              <a:buFont typeface="Arial" panose="020B0604020202020204" pitchFamily="34" charset="0"/>
+              <a:buNone/>
+            </a:pPr>
+            <a:r>
+              <a:rPr lang="ko-KR" altLang="en-US" dirty="0">
+                <a:ea typeface="맑은 고딕" panose="020B0503020000020004" pitchFamily="50" charset="-127"/>
+              </a:rPr>
+              <a:t>이 단원을 마치면 다음을 수행할 수 있습니다</a:t>
+            </a:r>
+            <a:r>
+              <a:rPr lang="en-US" altLang="ko-KR" dirty="0">
+                <a:ea typeface="맑은 고딕" panose="020B0503020000020004" pitchFamily="50" charset="-127"/>
+              </a:rPr>
+              <a:t>.</a:t>
+            </a:r>
+          </a:p>
+          <a:p>
+            <a:pPr marL="171450" indent="-171450" rtl="0">
+              <a:buFont typeface="Arial" panose="020B0604020202020204" pitchFamily="34" charset="0"/>
+              <a:buChar char="•"/>
+            </a:pPr>
+            <a:r>
+              <a:rPr lang="ko-KR" altLang="en-US" dirty="0">
+                <a:ea typeface="맑은 고딕" panose="020B0503020000020004" pitchFamily="50" charset="-127"/>
+              </a:rPr>
+              <a:t>팀 웹 서버에 파일을 저장합니다</a:t>
+            </a:r>
+            <a:r>
+              <a:rPr lang="en-US" altLang="ko-KR" dirty="0">
+                <a:ea typeface="맑은 고딕" panose="020B0503020000020004" pitchFamily="50" charset="-127"/>
+              </a:rPr>
+              <a:t>.</a:t>
+            </a:r>
+          </a:p>
+          <a:p>
+            <a:pPr marL="171450" indent="-171450" rtl="0">
+              <a:buFont typeface="Arial" panose="020B0604020202020204" pitchFamily="34" charset="0"/>
+              <a:buChar char="•"/>
+            </a:pPr>
+            <a:r>
+              <a:rPr lang="ko-KR" altLang="en-US" dirty="0">
+                <a:ea typeface="맑은 고딕" panose="020B0503020000020004" pitchFamily="50" charset="-127"/>
+              </a:rPr>
+              <a:t>팀 웹 서버의 다른 위치로 파일을 이동합니다</a:t>
+            </a:r>
+            <a:r>
+              <a:rPr lang="en-US" altLang="ko-KR" dirty="0">
+                <a:ea typeface="맑은 고딕" panose="020B0503020000020004" pitchFamily="50" charset="-127"/>
+              </a:rPr>
+              <a:t>.</a:t>
+            </a:r>
+          </a:p>
+          <a:p>
+            <a:pPr marL="171450" indent="-171450" rtl="0">
+              <a:buFont typeface="Arial" panose="020B0604020202020204" pitchFamily="34" charset="0"/>
+              <a:buChar char="•"/>
+            </a:pPr>
+            <a:r>
+              <a:rPr lang="ko-KR" altLang="en-US" dirty="0">
+                <a:ea typeface="맑은 고딕" panose="020B0503020000020004" pitchFamily="50" charset="-127"/>
+              </a:rPr>
+              <a:t>팀 웹 서버의 파일을 공유합니다</a:t>
+            </a:r>
+            <a:r>
+              <a:rPr lang="en-US" altLang="ko-KR" dirty="0">
+                <a:ea typeface="맑은 고딕" panose="020B0503020000020004" pitchFamily="50" charset="-127"/>
+              </a:rPr>
+              <a:t>.</a:t>
+            </a:r>
+          </a:p>
+          <a:p>
+            <a:pPr rtl="0"/>
+            <a:endParaRPr lang="ko-KR" altLang="en-US" noProof="0" dirty="0"/>
+          </a:p>
+          <a:p>
+            <a:pPr rtl="0"/>
+            <a:endParaRPr lang="ko-KR" altLang="en-US" noProof="0" dirty="0"/>
           </a:p>
         </p:txBody>
       </p:sp>
@@ -1556,22 +1699,22 @@
         </p:nvSpPr>
         <p:spPr/>
         <p:txBody>
-          <a:bodyPr/>
+          <a:bodyPr rtlCol="0"/>
           <a:lstStyle/>
           <a:p>
             <a:pPr rtl="0"/>
-            <a:fld id="{32674CE4-FBD8-4481-AEFB-CA53E599A745}" type="slidenum">
-              <a:rPr lang="en-US" altLang="ko-KR" smtClean="0"/>
-              <a:t>6</a:t>
+            <a:fld id="{CF2FD335-6D8E-486A-8F5F-DFC7325903FF}" type="slidenum">
+              <a:rPr lang="en-US" smtClean="0"/>
+              <a:t>7</a:t>
             </a:fld>
-            <a:endParaRPr lang="ko-KR" altLang="en-US" dirty="0"/>
+            <a:endParaRPr lang="en-US" dirty="0"/>
           </a:p>
         </p:txBody>
       </p:sp>
     </p:spTree>
     <p:extLst>
       <p:ext uri="{BB962C8B-B14F-4D97-AF65-F5344CB8AC3E}">
-        <p14:creationId xmlns:p14="http://schemas.microsoft.com/office/powerpoint/2010/main" val="4169753374"/>
+        <p14:creationId xmlns:p14="http://schemas.microsoft.com/office/powerpoint/2010/main" val="3069441310"/>
       </p:ext>
     </p:extLst>
   </p:cSld>
@@ -1622,33 +1765,32 @@
         </p:nvSpPr>
         <p:spPr/>
         <p:txBody>
-          <a:bodyPr rtlCol="0"/>
+          <a:bodyPr/>
+          <a:lstStyle/>
+          <a:p>
+            <a:endParaRPr lang="ko-KR" altLang="en-US"/>
+          </a:p>
+        </p:txBody>
+      </p:sp>
+      <p:sp>
+        <p:nvSpPr>
+          <p:cNvPr id="4" name="슬라이드 번호 개체 틀 3"/>
+          <p:cNvSpPr>
+            <a:spLocks noGrp="1"/>
+          </p:cNvSpPr>
+          <p:nvPr>
+            <p:ph type="sldNum" sz="quarter" idx="10"/>
+          </p:nvPr>
+        </p:nvSpPr>
+        <p:spPr/>
+        <p:txBody>
+          <a:bodyPr/>
           <a:lstStyle/>
           <a:p>
             <a:pPr rtl="0"/>
-            <a:endParaRPr lang="ko-KR" altLang="en-US" dirty="0"/>
-          </a:p>
-        </p:txBody>
-      </p:sp>
-      <p:sp>
-        <p:nvSpPr>
-          <p:cNvPr id="4" name="슬라이드 번호 개체 틀 3"/>
-          <p:cNvSpPr>
-            <a:spLocks noGrp="1"/>
-          </p:cNvSpPr>
-          <p:nvPr>
-            <p:ph type="sldNum" sz="quarter" idx="10"/>
-          </p:nvPr>
-        </p:nvSpPr>
-        <p:spPr/>
-        <p:txBody>
-          <a:bodyPr rtlCol="0"/>
-          <a:lstStyle/>
-          <a:p>
-            <a:pPr rtl="0"/>
-            <a:fld id="{5800B302-F4DC-4547-9C74-CF794137D166}" type="slidenum">
+            <a:fld id="{32674CE4-FBD8-4481-AEFB-CA53E599A745}" type="slidenum">
               <a:rPr lang="en-US" altLang="ko-KR" smtClean="0"/>
-              <a:t>7</a:t>
+              <a:t>8</a:t>
             </a:fld>
             <a:endParaRPr lang="ko-KR" altLang="en-US" dirty="0"/>
           </a:p>
@@ -1657,7 +1799,7 @@
     </p:spTree>
     <p:extLst>
       <p:ext uri="{BB962C8B-B14F-4D97-AF65-F5344CB8AC3E}">
-        <p14:creationId xmlns:p14="http://schemas.microsoft.com/office/powerpoint/2010/main" val="908655586"/>
+        <p14:creationId xmlns:p14="http://schemas.microsoft.com/office/powerpoint/2010/main" val="4169753374"/>
       </p:ext>
     </p:extLst>
   </p:cSld>
@@ -1708,10 +1850,11 @@
         </p:nvSpPr>
         <p:spPr/>
         <p:txBody>
-          <a:bodyPr/>
-          <a:lstStyle/>
-          <a:p>
-            <a:endParaRPr lang="ko-KR" altLang="en-US"/>
+          <a:bodyPr rtlCol="0"/>
+          <a:lstStyle/>
+          <a:p>
+            <a:pPr rtl="0"/>
+            <a:endParaRPr lang="ko-KR" altLang="en-US" dirty="0"/>
           </a:p>
         </p:txBody>
       </p:sp>
@@ -1727,13 +1870,13 @@
         </p:nvSpPr>
         <p:spPr/>
         <p:txBody>
-          <a:bodyPr/>
+          <a:bodyPr rtlCol="0"/>
           <a:lstStyle/>
           <a:p>
             <a:pPr rtl="0"/>
-            <a:fld id="{32674CE4-FBD8-4481-AEFB-CA53E599A745}" type="slidenum">
+            <a:fld id="{5800B302-F4DC-4547-9C74-CF794137D166}" type="slidenum">
               <a:rPr lang="en-US" altLang="ko-KR" smtClean="0"/>
-              <a:t>8</a:t>
+              <a:t>9</a:t>
             </a:fld>
             <a:endParaRPr lang="ko-KR" altLang="en-US" dirty="0"/>
           </a:p>
@@ -1742,7 +1885,7 @@
     </p:spTree>
     <p:extLst>
       <p:ext uri="{BB962C8B-B14F-4D97-AF65-F5344CB8AC3E}">
-        <p14:creationId xmlns:p14="http://schemas.microsoft.com/office/powerpoint/2010/main" val="828055315"/>
+        <p14:creationId xmlns:p14="http://schemas.microsoft.com/office/powerpoint/2010/main" val="908655586"/>
       </p:ext>
     </p:extLst>
   </p:cSld>
@@ -1818,7 +1961,7 @@
             <a:pPr rtl="0"/>
             <a:fld id="{32674CE4-FBD8-4481-AEFB-CA53E599A745}" type="slidenum">
               <a:rPr lang="en-US" altLang="ko-KR" smtClean="0"/>
-              <a:t>9</a:t>
+              <a:t>11</a:t>
             </a:fld>
             <a:endParaRPr lang="ko-KR" altLang="en-US" dirty="0"/>
           </a:p>
@@ -1827,7 +1970,7 @@
     </p:spTree>
     <p:extLst>
       <p:ext uri="{BB962C8B-B14F-4D97-AF65-F5344CB8AC3E}">
-        <p14:creationId xmlns:p14="http://schemas.microsoft.com/office/powerpoint/2010/main" val="2443595640"/>
+        <p14:creationId xmlns:p14="http://schemas.microsoft.com/office/powerpoint/2010/main" val="828055315"/>
       </p:ext>
     </p:extLst>
   </p:cSld>
@@ -6418,7 +6561,13 @@
       </p:grpSpPr>
       <p:sp>
         <p:nvSpPr>
-          <p:cNvPr id="2" name="제목 1"/>
+          <p:cNvPr id="2" name="제목 1">
+            <a:extLst>
+              <a:ext uri="{FF2B5EF4-FFF2-40B4-BE49-F238E27FC236}">
+                <a16:creationId xmlns:a16="http://schemas.microsoft.com/office/drawing/2014/main" id="{8F72C5A9-5884-0838-4597-54E3B26F337E}"/>
+              </a:ext>
+            </a:extLst>
+          </p:cNvPr>
           <p:cNvSpPr>
             <a:spLocks noGrp="1"/>
           </p:cNvSpPr>
@@ -6433,15 +6582,14 @@
           </a:xfrm>
         </p:spPr>
         <p:txBody>
-          <a:bodyPr rtlCol="0" anchor="ctr">
+          <a:bodyPr anchor="ctr">
             <a:normAutofit/>
           </a:bodyPr>
           <a:lstStyle/>
           <a:p>
-            <a:pPr rtl="0"/>
             <a:r>
               <a:rPr lang="en-US" altLang="ko-KR" dirty="0"/>
-              <a:t>Diagrams</a:t>
+              <a:t>Method</a:t>
             </a:r>
             <a:endParaRPr lang="ko-KR" altLang="en-US" dirty="0"/>
           </a:p>
@@ -6449,7 +6597,13 @@
       </p:sp>
       <p:sp>
         <p:nvSpPr>
-          <p:cNvPr id="3" name="내용 개체 틀 2"/>
+          <p:cNvPr id="10" name="Content Placeholder 2">
+            <a:extLst>
+              <a:ext uri="{FF2B5EF4-FFF2-40B4-BE49-F238E27FC236}">
+                <a16:creationId xmlns:a16="http://schemas.microsoft.com/office/drawing/2014/main" id="{56C8FD00-BD8D-B01E-6595-6C65AF4B74C0}"/>
+              </a:ext>
+            </a:extLst>
+          </p:cNvPr>
           <p:cNvSpPr>
             <a:spLocks noGrp="1"/>
           </p:cNvSpPr>
@@ -6464,35 +6618,76 @@
           </a:xfrm>
         </p:spPr>
         <p:txBody>
-          <a:bodyPr rtlCol="0">
-            <a:normAutofit/>
-          </a:bodyPr>
-          <a:lstStyle/>
-          <a:p>
-            <a:pPr rtl="0"/>
+          <a:bodyPr/>
+          <a:lstStyle/>
+          <a:p>
+            <a:r>
+              <a:rPr lang="ko-KR" altLang="en-US" dirty="0"/>
+              <a:t>오른쪽과 같이 영화</a:t>
+            </a:r>
             <a:r>
               <a:rPr lang="en-US" altLang="ko-KR" dirty="0"/>
-              <a:t>System Architecture</a:t>
-            </a:r>
+              <a:t>, </a:t>
+            </a:r>
+            <a:r>
+              <a:rPr lang="ko-KR" altLang="en-US" dirty="0"/>
+              <a:t>평균 감정 점수</a:t>
+            </a:r>
+            <a:r>
+              <a:rPr lang="en-US" altLang="ko-KR" dirty="0"/>
+              <a:t>, </a:t>
+            </a:r>
+            <a:r>
+              <a:rPr lang="ko-KR" altLang="en-US" dirty="0"/>
+              <a:t>본 사람들의 수로 나뉜다</a:t>
+            </a:r>
+            <a:r>
+              <a:rPr lang="en-US" altLang="ko-KR" dirty="0"/>
+              <a:t>.</a:t>
+            </a:r>
+          </a:p>
+          <a:p>
+            <a:endParaRPr lang="en-US" dirty="0"/>
+          </a:p>
+          <a:p>
+            <a:r>
+              <a:rPr lang="ko-KR" altLang="en-US" dirty="0"/>
+              <a:t>해당 결과물을 기반으로 사용자 </a:t>
+            </a:r>
+            <a:r>
+              <a:rPr lang="en-US" altLang="ko-KR" dirty="0"/>
+              <a:t>SNS </a:t>
+            </a:r>
+            <a:r>
+              <a:rPr lang="ko-KR" altLang="en-US" dirty="0"/>
+              <a:t>데이터의 감정분석을 통해 평균 점수가 높은 것을 추천한다</a:t>
+            </a:r>
+            <a:r>
+              <a:rPr lang="en-US" altLang="ko-KR" dirty="0"/>
+              <a:t>.</a:t>
+            </a:r>
+            <a:endParaRPr lang="en-US" dirty="0"/>
           </a:p>
         </p:txBody>
       </p:sp>
       <p:pic>
         <p:nvPicPr>
-          <p:cNvPr id="4" name="그림 3">
+          <p:cNvPr id="5" name="내용 개체 틀 4" descr="텍스트이(가) 표시된 사진&#10;&#10;자동 생성된 설명">
             <a:extLst>
               <a:ext uri="{FF2B5EF4-FFF2-40B4-BE49-F238E27FC236}">
-                <a16:creationId xmlns:a16="http://schemas.microsoft.com/office/drawing/2014/main" id="{2AB82744-0A5F-0A34-4E4C-235716C34A8F}"/>
+                <a16:creationId xmlns:a16="http://schemas.microsoft.com/office/drawing/2014/main" id="{3439DE49-9CDB-AB7A-209C-EC4DE1377597}"/>
               </a:ext>
             </a:extLst>
           </p:cNvPr>
           <p:cNvPicPr>
-            <a:picLocks noChangeAspect="1"/>
+            <a:picLocks noGrp="1" noChangeAspect="1"/>
           </p:cNvPicPr>
-          <p:nvPr/>
+          <p:nvPr>
+            <p:ph sz="half" idx="2"/>
+          </p:nvPr>
         </p:nvPicPr>
         <p:blipFill>
-          <a:blip r:embed="rId3">
+          <a:blip r:embed="rId2">
             <a:extLst>
               <a:ext uri="{28A0092B-C50C-407E-A947-70E740481C1C}">
                 <a14:useLocalDpi xmlns:a14="http://schemas.microsoft.com/office/drawing/2010/main" val="0"/>
@@ -6503,24 +6698,18 @@
             <a:fillRect/>
           </a:stretch>
         </p:blipFill>
-        <p:spPr bwMode="auto">
+        <p:spPr>
           <a:xfrm>
-            <a:off x="4218488" y="2824448"/>
-            <a:ext cx="7228298" cy="3090096"/>
+            <a:off x="6197600" y="2979929"/>
+            <a:ext cx="5384800" cy="2880867"/>
           </a:xfrm>
-          <a:prstGeom prst="rect">
-            <a:avLst/>
-          </a:prstGeom>
           <a:noFill/>
-          <a:ln>
-            <a:noFill/>
-          </a:ln>
         </p:spPr>
       </p:pic>
     </p:spTree>
     <p:extLst>
       <p:ext uri="{BB962C8B-B14F-4D97-AF65-F5344CB8AC3E}">
-        <p14:creationId xmlns:p14="http://schemas.microsoft.com/office/powerpoint/2010/main" val="4155348868"/>
+        <p14:creationId xmlns:p14="http://schemas.microsoft.com/office/powerpoint/2010/main" val="1993832607"/>
       </p:ext>
     </p:extLst>
   </p:cSld>
@@ -6543,1604 +6732,6 @@
 </file>
 
 <file path=ppt/slides/slide11.xml><?xml version="1.0" encoding="utf-8"?>
-<p:sld xmlns:a="http://schemas.openxmlformats.org/drawingml/2006/main" xmlns:r="http://schemas.openxmlformats.org/officeDocument/2006/relationships" xmlns:p="http://schemas.openxmlformats.org/presentationml/2006/main">
-  <p:cSld>
-    <p:spTree>
-      <p:nvGrpSpPr>
-        <p:cNvPr id="1" name=""/>
-        <p:cNvGrpSpPr/>
-        <p:nvPr/>
-      </p:nvGrpSpPr>
-      <p:grpSpPr>
-        <a:xfrm>
-          <a:off x="0" y="0"/>
-          <a:ext cx="0" cy="0"/>
-          <a:chOff x="0" y="0"/>
-          <a:chExt cx="0" cy="0"/>
-        </a:xfrm>
-      </p:grpSpPr>
-      <p:sp>
-        <p:nvSpPr>
-          <p:cNvPr id="2" name="제목 1"/>
-          <p:cNvSpPr>
-            <a:spLocks noGrp="1"/>
-          </p:cNvSpPr>
-          <p:nvPr>
-            <p:ph type="title"/>
-          </p:nvPr>
-        </p:nvSpPr>
-        <p:spPr/>
-        <p:txBody>
-          <a:bodyPr rtlCol="0"/>
-          <a:lstStyle/>
-          <a:p>
-            <a:pPr rtl="0"/>
-            <a:r>
-              <a:rPr lang="en-US" altLang="ko-KR" dirty="0"/>
-              <a:t>Conclusion</a:t>
-            </a:r>
-            <a:endParaRPr lang="ko-KR" altLang="en-US" dirty="0"/>
-          </a:p>
-        </p:txBody>
-      </p:sp>
-      <p:sp>
-        <p:nvSpPr>
-          <p:cNvPr id="4" name="텍스트 개체 틀 3"/>
-          <p:cNvSpPr>
-            <a:spLocks noGrp="1"/>
-          </p:cNvSpPr>
-          <p:nvPr>
-            <p:ph sz="half" idx="1"/>
-          </p:nvPr>
-        </p:nvSpPr>
-        <p:spPr>
-          <a:xfrm>
-            <a:off x="609600" y="2249425"/>
-            <a:ext cx="10972800" cy="4341875"/>
-          </a:xfrm>
-        </p:spPr>
-        <p:txBody>
-          <a:bodyPr rtlCol="0"/>
-          <a:lstStyle/>
-          <a:p>
-            <a:pPr rtl="0"/>
-            <a:r>
-              <a:rPr lang="en-US" altLang="ko-KR" dirty="0"/>
-              <a:t>Problems</a:t>
-            </a:r>
-          </a:p>
-          <a:p>
-            <a:pPr rtl="0"/>
-            <a:endParaRPr lang="en-US" altLang="ko-KR" dirty="0"/>
-          </a:p>
-          <a:p>
-            <a:pPr lvl="1"/>
-            <a:r>
-              <a:rPr lang="ko-KR" altLang="en-US" dirty="0"/>
-              <a:t>사용자의 </a:t>
-            </a:r>
-            <a:r>
-              <a:rPr lang="en-US" altLang="ko-KR" dirty="0"/>
-              <a:t>SNS word data</a:t>
-            </a:r>
-            <a:r>
-              <a:rPr lang="ko-KR" altLang="en-US" dirty="0"/>
-              <a:t>만 수집하다 보니 </a:t>
-            </a:r>
-            <a:r>
-              <a:rPr lang="en-US" altLang="ko-KR" dirty="0"/>
-              <a:t>data</a:t>
-            </a:r>
-            <a:r>
-              <a:rPr lang="ko-KR" altLang="en-US" dirty="0"/>
-              <a:t>가 없는 경우 추천이 불가</a:t>
-            </a:r>
-            <a:endParaRPr lang="en-US" altLang="ko-KR" dirty="0"/>
-          </a:p>
-          <a:p>
-            <a:pPr lvl="2"/>
-            <a:r>
-              <a:rPr lang="ko-KR" altLang="en-US" dirty="0"/>
-              <a:t>해결 방안</a:t>
-            </a:r>
-            <a:r>
-              <a:rPr lang="en-US" altLang="ko-KR" dirty="0"/>
-              <a:t>: word data </a:t>
-            </a:r>
-            <a:r>
-              <a:rPr lang="ko-KR" altLang="en-US" dirty="0"/>
-              <a:t>뿐 아니라 이미지 또는 영상까지 데이터 확보</a:t>
-            </a:r>
-            <a:endParaRPr lang="en-US" altLang="ko-KR" dirty="0"/>
-          </a:p>
-          <a:p>
-            <a:pPr lvl="1"/>
-            <a:endParaRPr lang="en-US" altLang="ko-KR" dirty="0"/>
-          </a:p>
-          <a:p>
-            <a:pPr lvl="1"/>
-            <a:r>
-              <a:rPr lang="ko-KR" altLang="en-US" dirty="0"/>
-              <a:t>인스타그램의 주기적인 시스템 업데이트로 인한 </a:t>
-            </a:r>
-            <a:r>
-              <a:rPr lang="ko-KR" altLang="en-US" dirty="0" err="1"/>
-              <a:t>크롤링</a:t>
-            </a:r>
-            <a:r>
-              <a:rPr lang="ko-KR" altLang="en-US" dirty="0"/>
-              <a:t> 불가 문제</a:t>
-            </a:r>
-            <a:endParaRPr lang="en-US" altLang="ko-KR" dirty="0"/>
-          </a:p>
-          <a:p>
-            <a:pPr lvl="2"/>
-            <a:r>
-              <a:rPr lang="ko-KR" altLang="en-US" dirty="0"/>
-              <a:t>해결 방안</a:t>
-            </a:r>
-            <a:r>
-              <a:rPr lang="en-US" altLang="ko-KR" dirty="0"/>
-              <a:t>: </a:t>
-            </a:r>
-            <a:r>
-              <a:rPr lang="ko-KR" altLang="en-US" dirty="0"/>
-              <a:t>주기적인 확인 또는 다른 대체제로 다른 </a:t>
-            </a:r>
-            <a:r>
-              <a:rPr lang="en-US" altLang="ko-KR" dirty="0"/>
-              <a:t>SNS </a:t>
-            </a:r>
-            <a:r>
-              <a:rPr lang="ko-KR" altLang="en-US" dirty="0" err="1"/>
-              <a:t>크롤링</a:t>
-            </a:r>
-            <a:endParaRPr lang="en-US" altLang="ko-KR" dirty="0"/>
-          </a:p>
-          <a:p>
-            <a:pPr lvl="1"/>
-            <a:endParaRPr lang="en-US" altLang="ko-KR" dirty="0"/>
-          </a:p>
-          <a:p>
-            <a:pPr lvl="1"/>
-            <a:r>
-              <a:rPr lang="ko-KR" altLang="en-US" dirty="0"/>
-              <a:t>속도가 너무 느린 문제</a:t>
-            </a:r>
-            <a:endParaRPr lang="en-US" altLang="ko-KR" dirty="0"/>
-          </a:p>
-          <a:p>
-            <a:pPr lvl="2"/>
-            <a:r>
-              <a:rPr lang="ko-KR" altLang="en-US" dirty="0"/>
-              <a:t>해결 방안</a:t>
-            </a:r>
-            <a:r>
-              <a:rPr lang="en-US" altLang="ko-KR" dirty="0"/>
-              <a:t>: </a:t>
-            </a:r>
-            <a:r>
-              <a:rPr lang="ko-KR" altLang="en-US" dirty="0"/>
-              <a:t>최적화 필요</a:t>
-            </a:r>
-            <a:endParaRPr lang="en-US" altLang="ko-KR" dirty="0"/>
-          </a:p>
-          <a:p>
-            <a:pPr marL="411480" lvl="1" indent="0">
-              <a:buNone/>
-            </a:pPr>
-            <a:endParaRPr lang="en-US" altLang="ko-KR" dirty="0"/>
-          </a:p>
-        </p:txBody>
-      </p:sp>
-    </p:spTree>
-    <p:extLst>
-      <p:ext uri="{BB962C8B-B14F-4D97-AF65-F5344CB8AC3E}">
-        <p14:creationId xmlns:p14="http://schemas.microsoft.com/office/powerpoint/2010/main" val="3389132344"/>
-      </p:ext>
-    </p:extLst>
-  </p:cSld>
-  <p:clrMapOvr>
-    <a:masterClrMapping/>
-  </p:clrMapOvr>
-  <mc:AlternateContent xmlns:mc="http://schemas.openxmlformats.org/markup-compatibility/2006" xmlns:p14="http://schemas.microsoft.com/office/powerpoint/2010/main">
-    <mc:Choice Requires="p14">
-      <p:transition spd="med" p14:dur="700">
-        <p:fade/>
-      </p:transition>
-    </mc:Choice>
-    <mc:Fallback xmlns="">
-      <p:transition spd="med">
-        <p:fade/>
-      </p:transition>
-    </mc:Fallback>
-  </mc:AlternateContent>
-</p:sld>
-</file>
-
-<file path=ppt/slides/slide12.xml><?xml version="1.0" encoding="utf-8"?>
-<p:sld xmlns:a="http://schemas.openxmlformats.org/drawingml/2006/main" xmlns:r="http://schemas.openxmlformats.org/officeDocument/2006/relationships" xmlns:p="http://schemas.openxmlformats.org/presentationml/2006/main">
-  <p:cSld>
-    <p:spTree>
-      <p:nvGrpSpPr>
-        <p:cNvPr id="1" name=""/>
-        <p:cNvGrpSpPr/>
-        <p:nvPr/>
-      </p:nvGrpSpPr>
-      <p:grpSpPr>
-        <a:xfrm>
-          <a:off x="0" y="0"/>
-          <a:ext cx="0" cy="0"/>
-          <a:chOff x="0" y="0"/>
-          <a:chExt cx="0" cy="0"/>
-        </a:xfrm>
-      </p:grpSpPr>
-      <p:sp>
-        <p:nvSpPr>
-          <p:cNvPr id="2" name="제목 1"/>
-          <p:cNvSpPr>
-            <a:spLocks noGrp="1"/>
-          </p:cNvSpPr>
-          <p:nvPr>
-            <p:ph type="title"/>
-          </p:nvPr>
-        </p:nvSpPr>
-        <p:spPr>
-          <a:xfrm>
-            <a:off x="4709160" y="2895600"/>
-            <a:ext cx="2773680" cy="1066800"/>
-          </a:xfrm>
-        </p:spPr>
-        <p:txBody>
-          <a:bodyPr rtlCol="0"/>
-          <a:lstStyle/>
-          <a:p>
-            <a:pPr rtl="0"/>
-            <a:r>
-              <a:rPr lang="ko-KR" altLang="en-US" dirty="0"/>
-              <a:t>감사합니다</a:t>
-            </a:r>
-          </a:p>
-        </p:txBody>
-      </p:sp>
-    </p:spTree>
-    <p:extLst>
-      <p:ext uri="{BB962C8B-B14F-4D97-AF65-F5344CB8AC3E}">
-        <p14:creationId xmlns:p14="http://schemas.microsoft.com/office/powerpoint/2010/main" val="1531528155"/>
-      </p:ext>
-    </p:extLst>
-  </p:cSld>
-  <p:clrMapOvr>
-    <a:masterClrMapping/>
-  </p:clrMapOvr>
-  <mc:AlternateContent xmlns:mc="http://schemas.openxmlformats.org/markup-compatibility/2006" xmlns:p14="http://schemas.microsoft.com/office/powerpoint/2010/main">
-    <mc:Choice Requires="p14">
-      <p:transition spd="med" p14:dur="700">
-        <p:fade/>
-      </p:transition>
-    </mc:Choice>
-    <mc:Fallback xmlns="">
-      <p:transition spd="med">
-        <p:fade/>
-      </p:transition>
-    </mc:Fallback>
-  </mc:AlternateContent>
-</p:sld>
-</file>
-
-<file path=ppt/slides/slide2.xml><?xml version="1.0" encoding="utf-8"?>
-<p:sld xmlns:a="http://schemas.openxmlformats.org/drawingml/2006/main" xmlns:r="http://schemas.openxmlformats.org/officeDocument/2006/relationships" xmlns:p="http://schemas.openxmlformats.org/presentationml/2006/main">
-  <p:cSld>
-    <p:spTree>
-      <p:nvGrpSpPr>
-        <p:cNvPr id="1" name=""/>
-        <p:cNvGrpSpPr/>
-        <p:nvPr/>
-      </p:nvGrpSpPr>
-      <p:grpSpPr>
-        <a:xfrm>
-          <a:off x="0" y="0"/>
-          <a:ext cx="0" cy="0"/>
-          <a:chOff x="0" y="0"/>
-          <a:chExt cx="0" cy="0"/>
-        </a:xfrm>
-      </p:grpSpPr>
-      <p:sp>
-        <p:nvSpPr>
-          <p:cNvPr id="2" name="제목 1"/>
-          <p:cNvSpPr>
-            <a:spLocks noGrp="1"/>
-          </p:cNvSpPr>
-          <p:nvPr>
-            <p:ph type="title"/>
-          </p:nvPr>
-        </p:nvSpPr>
-        <p:spPr/>
-        <p:txBody>
-          <a:bodyPr rtlCol="0"/>
-          <a:lstStyle/>
-          <a:p>
-            <a:pPr rtl="0"/>
-            <a:r>
-              <a:rPr lang="en-US" altLang="ko-KR" dirty="0"/>
-              <a:t>Contents</a:t>
-            </a:r>
-            <a:endParaRPr lang="ko-KR" altLang="en-US" dirty="0"/>
-          </a:p>
-        </p:txBody>
-      </p:sp>
-      <p:sp>
-        <p:nvSpPr>
-          <p:cNvPr id="3" name="내용 개체 틀 2"/>
-          <p:cNvSpPr>
-            <a:spLocks noGrp="1"/>
-          </p:cNvSpPr>
-          <p:nvPr>
-            <p:ph idx="1"/>
-          </p:nvPr>
-        </p:nvSpPr>
-        <p:spPr/>
-        <p:txBody>
-          <a:bodyPr rtlCol="0"/>
-          <a:lstStyle/>
-          <a:p>
-            <a:pPr rtl="0"/>
-            <a:r>
-              <a:rPr lang="en-US" altLang="ko-KR" dirty="0"/>
-              <a:t>Introduction</a:t>
-            </a:r>
-          </a:p>
-          <a:p>
-            <a:pPr rtl="0"/>
-            <a:endParaRPr lang="en-US" altLang="ko-KR" dirty="0"/>
-          </a:p>
-          <a:p>
-            <a:pPr rtl="0"/>
-            <a:r>
-              <a:rPr lang="en-US" altLang="ko-KR" dirty="0"/>
-              <a:t>Method</a:t>
-            </a:r>
-          </a:p>
-          <a:p>
-            <a:pPr marL="109728" indent="0" rtl="0">
-              <a:buNone/>
-            </a:pPr>
-            <a:endParaRPr lang="en-US" altLang="ko-KR" dirty="0"/>
-          </a:p>
-          <a:p>
-            <a:pPr rtl="0"/>
-            <a:r>
-              <a:rPr lang="en-US" altLang="ko-KR" dirty="0"/>
-              <a:t>Results</a:t>
-            </a:r>
-          </a:p>
-          <a:p>
-            <a:pPr rtl="0"/>
-            <a:endParaRPr lang="en-US" altLang="ko-KR" dirty="0"/>
-          </a:p>
-          <a:p>
-            <a:pPr rtl="0"/>
-            <a:r>
-              <a:rPr lang="en-US" altLang="ko-KR" dirty="0"/>
-              <a:t>Diagrams</a:t>
-            </a:r>
-          </a:p>
-          <a:p>
-            <a:pPr rtl="0"/>
-            <a:endParaRPr lang="en-US" altLang="ko-KR" dirty="0"/>
-          </a:p>
-          <a:p>
-            <a:pPr rtl="0"/>
-            <a:r>
-              <a:rPr lang="en-US" altLang="ko-KR" dirty="0"/>
-              <a:t>Conclusion</a:t>
-            </a:r>
-          </a:p>
-          <a:p>
-            <a:pPr rtl="0"/>
-            <a:endParaRPr lang="en-US" altLang="ko-KR" dirty="0"/>
-          </a:p>
-        </p:txBody>
-      </p:sp>
-    </p:spTree>
-    <p:extLst>
-      <p:ext uri="{BB962C8B-B14F-4D97-AF65-F5344CB8AC3E}">
-        <p14:creationId xmlns:p14="http://schemas.microsoft.com/office/powerpoint/2010/main" val="1851896080"/>
-      </p:ext>
-    </p:extLst>
-  </p:cSld>
-  <p:clrMapOvr>
-    <a:masterClrMapping/>
-  </p:clrMapOvr>
-  <mc:AlternateContent xmlns:mc="http://schemas.openxmlformats.org/markup-compatibility/2006" xmlns:p14="http://schemas.microsoft.com/office/powerpoint/2010/main">
-    <mc:Choice Requires="p14">
-      <p:transition spd="med" p14:dur="700">
-        <p:fade/>
-      </p:transition>
-    </mc:Choice>
-    <mc:Fallback xmlns="">
-      <p:transition spd="med">
-        <p:fade/>
-      </p:transition>
-    </mc:Fallback>
-  </mc:AlternateContent>
-</p:sld>
-</file>
-
-<file path=ppt/slides/slide3.xml><?xml version="1.0" encoding="utf-8"?>
-<p:sld xmlns:a="http://schemas.openxmlformats.org/drawingml/2006/main" xmlns:r="http://schemas.openxmlformats.org/officeDocument/2006/relationships" xmlns:p="http://schemas.openxmlformats.org/presentationml/2006/main">
-  <p:cSld>
-    <p:spTree>
-      <p:nvGrpSpPr>
-        <p:cNvPr id="1" name=""/>
-        <p:cNvGrpSpPr/>
-        <p:nvPr/>
-      </p:nvGrpSpPr>
-      <p:grpSpPr>
-        <a:xfrm>
-          <a:off x="0" y="0"/>
-          <a:ext cx="0" cy="0"/>
-          <a:chOff x="0" y="0"/>
-          <a:chExt cx="0" cy="0"/>
-        </a:xfrm>
-      </p:grpSpPr>
-      <p:sp>
-        <p:nvSpPr>
-          <p:cNvPr id="2" name="제목 1"/>
-          <p:cNvSpPr>
-            <a:spLocks noGrp="1"/>
-          </p:cNvSpPr>
-          <p:nvPr>
-            <p:ph type="title"/>
-          </p:nvPr>
-        </p:nvSpPr>
-        <p:spPr/>
-        <p:txBody>
-          <a:bodyPr rtlCol="0"/>
-          <a:lstStyle/>
-          <a:p>
-            <a:pPr rtl="0"/>
-            <a:r>
-              <a:rPr lang="en-US" altLang="ko-KR" dirty="0"/>
-              <a:t>Introduction</a:t>
-            </a:r>
-            <a:endParaRPr lang="ko-KR" altLang="en-US" dirty="0"/>
-          </a:p>
-        </p:txBody>
-      </p:sp>
-      <p:sp>
-        <p:nvSpPr>
-          <p:cNvPr id="6" name="TextBox 5">
-            <a:extLst>
-              <a:ext uri="{FF2B5EF4-FFF2-40B4-BE49-F238E27FC236}">
-                <a16:creationId xmlns:a16="http://schemas.microsoft.com/office/drawing/2014/main" id="{0BD9743A-49CB-DC73-CF91-8A263444CD23}"/>
-              </a:ext>
-            </a:extLst>
-          </p:cNvPr>
-          <p:cNvSpPr txBox="1"/>
-          <p:nvPr/>
-        </p:nvSpPr>
-        <p:spPr>
-          <a:xfrm>
-            <a:off x="87683" y="6183508"/>
-            <a:ext cx="7891397" cy="323165"/>
-          </a:xfrm>
-          <a:prstGeom prst="rect">
-            <a:avLst/>
-          </a:prstGeom>
-          <a:noFill/>
-        </p:spPr>
-        <p:txBody>
-          <a:bodyPr wrap="square" rtlCol="0">
-            <a:spAutoFit/>
-          </a:bodyPr>
-          <a:lstStyle/>
-          <a:p>
-            <a:r>
-              <a:rPr lang="ko-KR" altLang="en-US" sz="1500" dirty="0"/>
-              <a:t>개인화 시대의 핵심 </a:t>
-            </a:r>
-            <a:r>
-              <a:rPr lang="en-US" altLang="ko-KR" sz="1500" dirty="0"/>
-              <a:t>‘</a:t>
-            </a:r>
-            <a:r>
-              <a:rPr lang="ko-KR" altLang="en-US" sz="1500" dirty="0"/>
-              <a:t>추천 알고리즘</a:t>
-            </a:r>
-            <a:r>
-              <a:rPr lang="en-US" altLang="ko-KR" sz="1500" dirty="0"/>
-              <a:t>‘, </a:t>
-            </a:r>
-            <a:r>
-              <a:rPr lang="ko-KR" altLang="en-US" sz="1500" dirty="0"/>
-              <a:t>우리를 지배하고 있다</a:t>
-            </a:r>
-            <a:r>
-              <a:rPr lang="en-US" altLang="ko-KR" sz="1500" dirty="0"/>
-              <a:t>. , </a:t>
-            </a:r>
-            <a:r>
-              <a:rPr lang="ko-KR" altLang="en-US" sz="1500" dirty="0" err="1"/>
-              <a:t>이소현</a:t>
-            </a:r>
-            <a:r>
-              <a:rPr lang="en-US" altLang="ko-KR" sz="1500" dirty="0"/>
-              <a:t>, 2022.10</a:t>
-            </a:r>
-            <a:endParaRPr lang="ko-KR" altLang="en-US" sz="1500" dirty="0"/>
-          </a:p>
-        </p:txBody>
-      </p:sp>
-      <p:pic>
-        <p:nvPicPr>
-          <p:cNvPr id="12" name="내용 개체 틀 11" descr="텍스트이(가) 표시된 사진&#10;&#10;자동 생성된 설명">
-            <a:extLst>
-              <a:ext uri="{FF2B5EF4-FFF2-40B4-BE49-F238E27FC236}">
-                <a16:creationId xmlns:a16="http://schemas.microsoft.com/office/drawing/2014/main" id="{2516CEBD-8E1A-4388-AF34-334675F0AAF1}"/>
-              </a:ext>
-            </a:extLst>
-          </p:cNvPr>
-          <p:cNvPicPr>
-            <a:picLocks noGrp="1" noChangeAspect="1"/>
-          </p:cNvPicPr>
-          <p:nvPr>
-            <p:ph idx="1"/>
-          </p:nvPr>
-        </p:nvPicPr>
-        <p:blipFill>
-          <a:blip r:embed="rId3">
-            <a:extLst>
-              <a:ext uri="{28A0092B-C50C-407E-A947-70E740481C1C}">
-                <a14:useLocalDpi xmlns:a14="http://schemas.microsoft.com/office/drawing/2010/main" val="0"/>
-              </a:ext>
-            </a:extLst>
-          </a:blip>
-          <a:stretch>
-            <a:fillRect/>
-          </a:stretch>
-        </p:blipFill>
-        <p:spPr>
-          <a:xfrm>
-            <a:off x="1038789" y="2510425"/>
-            <a:ext cx="5863275" cy="3101236"/>
-          </a:xfrm>
-        </p:spPr>
-      </p:pic>
-      <p:pic>
-        <p:nvPicPr>
-          <p:cNvPr id="1028" name="Picture 4" descr="인스타도 손뗀다… 불신의 늪에 빠진 AI 알고리즘 - 조선일보">
-            <a:extLst>
-              <a:ext uri="{FF2B5EF4-FFF2-40B4-BE49-F238E27FC236}">
-                <a16:creationId xmlns:a16="http://schemas.microsoft.com/office/drawing/2014/main" id="{FC8D2C27-8067-FF70-36CE-7E7583D71C67}"/>
-              </a:ext>
-            </a:extLst>
-          </p:cNvPr>
-          <p:cNvPicPr>
-            <a:picLocks noChangeAspect="1" noChangeArrowheads="1"/>
-          </p:cNvPicPr>
-          <p:nvPr/>
-        </p:nvPicPr>
-        <p:blipFill>
-          <a:blip r:embed="rId4">
-            <a:extLst>
-              <a:ext uri="{28A0092B-C50C-407E-A947-70E740481C1C}">
-                <a14:useLocalDpi xmlns:a14="http://schemas.microsoft.com/office/drawing/2010/main" val="0"/>
-              </a:ext>
-            </a:extLst>
-          </a:blip>
-          <a:srcRect/>
-          <a:stretch>
-            <a:fillRect/>
-          </a:stretch>
-        </p:blipFill>
-        <p:spPr bwMode="auto">
-          <a:xfrm>
-            <a:off x="7804195" y="1448344"/>
-            <a:ext cx="3928458" cy="2907059"/>
-          </a:xfrm>
-          <a:prstGeom prst="rect">
-            <a:avLst/>
-          </a:prstGeom>
-          <a:noFill/>
-          <a:extLst>
-            <a:ext uri="{909E8E84-426E-40DD-AFC4-6F175D3DCCD1}">
-              <a14:hiddenFill xmlns:a14="http://schemas.microsoft.com/office/drawing/2010/main">
-                <a:solidFill>
-                  <a:srgbClr val="FFFFFF"/>
-                </a:solidFill>
-              </a14:hiddenFill>
-            </a:ext>
-          </a:extLst>
-        </p:spPr>
-      </p:pic>
-      <p:sp>
-        <p:nvSpPr>
-          <p:cNvPr id="13" name="TextBox 12">
-            <a:extLst>
-              <a:ext uri="{FF2B5EF4-FFF2-40B4-BE49-F238E27FC236}">
-                <a16:creationId xmlns:a16="http://schemas.microsoft.com/office/drawing/2014/main" id="{A5993D3A-F663-5C3E-D14B-593B1B0F6BB1}"/>
-              </a:ext>
-            </a:extLst>
-          </p:cNvPr>
-          <p:cNvSpPr txBox="1"/>
-          <p:nvPr/>
-        </p:nvSpPr>
-        <p:spPr>
-          <a:xfrm>
-            <a:off x="87683" y="6539108"/>
-            <a:ext cx="7891397" cy="323165"/>
-          </a:xfrm>
-          <a:prstGeom prst="rect">
-            <a:avLst/>
-          </a:prstGeom>
-          <a:noFill/>
-        </p:spPr>
-        <p:txBody>
-          <a:bodyPr wrap="square" rtlCol="0">
-            <a:spAutoFit/>
-          </a:bodyPr>
-          <a:lstStyle/>
-          <a:p>
-            <a:r>
-              <a:rPr lang="ko-KR" altLang="en-US" sz="1500" dirty="0"/>
-              <a:t>인스타도 손뗀다</a:t>
-            </a:r>
-            <a:r>
-              <a:rPr lang="en-US" altLang="ko-KR" sz="1500" dirty="0"/>
-              <a:t>. </a:t>
-            </a:r>
-            <a:r>
-              <a:rPr lang="ko-KR" altLang="en-US" sz="1500" dirty="0"/>
-              <a:t>불신의 늪에 빠진 </a:t>
-            </a:r>
-            <a:r>
-              <a:rPr lang="en-US" altLang="ko-KR" sz="1500" dirty="0"/>
-              <a:t>AI </a:t>
-            </a:r>
-            <a:r>
-              <a:rPr lang="ko-KR" altLang="en-US" sz="1500" dirty="0"/>
-              <a:t>알고리즘</a:t>
-            </a:r>
-            <a:r>
-              <a:rPr lang="en-US" altLang="ko-KR" sz="1500" dirty="0"/>
-              <a:t>, </a:t>
-            </a:r>
-            <a:r>
-              <a:rPr lang="ko-KR" altLang="en-US" sz="1500" dirty="0" err="1"/>
-              <a:t>변희원</a:t>
-            </a:r>
-            <a:r>
-              <a:rPr lang="en-US" altLang="ko-KR" sz="1500" dirty="0"/>
-              <a:t>, 2021.12</a:t>
-            </a:r>
-            <a:endParaRPr lang="ko-KR" altLang="en-US" sz="1500" dirty="0"/>
-          </a:p>
-        </p:txBody>
-      </p:sp>
-    </p:spTree>
-    <p:extLst>
-      <p:ext uri="{BB962C8B-B14F-4D97-AF65-F5344CB8AC3E}">
-        <p14:creationId xmlns:p14="http://schemas.microsoft.com/office/powerpoint/2010/main" val="997860157"/>
-      </p:ext>
-    </p:extLst>
-  </p:cSld>
-  <p:clrMapOvr>
-    <a:masterClrMapping/>
-  </p:clrMapOvr>
-  <mc:AlternateContent xmlns:mc="http://schemas.openxmlformats.org/markup-compatibility/2006" xmlns:p14="http://schemas.microsoft.com/office/powerpoint/2010/main">
-    <mc:Choice Requires="p14">
-      <p:transition spd="med" p14:dur="700">
-        <p:fade/>
-      </p:transition>
-    </mc:Choice>
-    <mc:Fallback xmlns="">
-      <p:transition spd="med">
-        <p:fade/>
-      </p:transition>
-    </mc:Fallback>
-  </mc:AlternateContent>
-</p:sld>
-</file>
-
-<file path=ppt/slides/slide4.xml><?xml version="1.0" encoding="utf-8"?>
-<p:sld xmlns:a="http://schemas.openxmlformats.org/drawingml/2006/main" xmlns:r="http://schemas.openxmlformats.org/officeDocument/2006/relationships" xmlns:p="http://schemas.openxmlformats.org/presentationml/2006/main">
-  <p:cSld>
-    <p:spTree>
-      <p:nvGrpSpPr>
-        <p:cNvPr id="1" name=""/>
-        <p:cNvGrpSpPr/>
-        <p:nvPr/>
-      </p:nvGrpSpPr>
-      <p:grpSpPr>
-        <a:xfrm>
-          <a:off x="0" y="0"/>
-          <a:ext cx="0" cy="0"/>
-          <a:chOff x="0" y="0"/>
-          <a:chExt cx="0" cy="0"/>
-        </a:xfrm>
-      </p:grpSpPr>
-      <p:sp>
-        <p:nvSpPr>
-          <p:cNvPr id="2" name="제목 1"/>
-          <p:cNvSpPr>
-            <a:spLocks noGrp="1"/>
-          </p:cNvSpPr>
-          <p:nvPr>
-            <p:ph type="title"/>
-          </p:nvPr>
-        </p:nvSpPr>
-        <p:spPr/>
-        <p:txBody>
-          <a:bodyPr rtlCol="0"/>
-          <a:lstStyle/>
-          <a:p>
-            <a:pPr rtl="0"/>
-            <a:r>
-              <a:rPr lang="en-US" altLang="ko-KR" dirty="0"/>
-              <a:t>Introduction</a:t>
-            </a:r>
-          </a:p>
-        </p:txBody>
-      </p:sp>
-      <p:sp>
-        <p:nvSpPr>
-          <p:cNvPr id="4" name="사각형: 둥근 모서리 3">
-            <a:extLst>
-              <a:ext uri="{FF2B5EF4-FFF2-40B4-BE49-F238E27FC236}">
-                <a16:creationId xmlns:a16="http://schemas.microsoft.com/office/drawing/2014/main" id="{2526EF9F-8A49-2488-05F0-CBB0115BCB8F}"/>
-              </a:ext>
-            </a:extLst>
-          </p:cNvPr>
-          <p:cNvSpPr/>
-          <p:nvPr/>
-        </p:nvSpPr>
-        <p:spPr>
-          <a:xfrm>
-            <a:off x="609600" y="3535680"/>
-            <a:ext cx="2623892" cy="1398198"/>
-          </a:xfrm>
-          <a:prstGeom prst="roundRect">
-            <a:avLst/>
-          </a:prstGeom>
-          <a:ln>
-            <a:solidFill>
-              <a:schemeClr val="bg1"/>
-            </a:solidFill>
-          </a:ln>
-        </p:spPr>
-        <p:style>
-          <a:lnRef idx="2">
-            <a:schemeClr val="accent1">
-              <a:shade val="50000"/>
-            </a:schemeClr>
-          </a:lnRef>
-          <a:fillRef idx="1">
-            <a:schemeClr val="accent1"/>
-          </a:fillRef>
-          <a:effectRef idx="0">
-            <a:schemeClr val="accent1"/>
-          </a:effectRef>
-          <a:fontRef idx="minor">
-            <a:schemeClr val="lt1"/>
-          </a:fontRef>
-        </p:style>
-        <p:txBody>
-          <a:bodyPr rtlCol="0" anchor="ctr"/>
-          <a:lstStyle/>
-          <a:p>
-            <a:pPr algn="ctr"/>
-            <a:r>
-              <a:rPr lang="ko-KR" altLang="en-US" dirty="0"/>
-              <a:t>사용자 </a:t>
-            </a:r>
-            <a:r>
-              <a:rPr lang="en-US" altLang="ko-KR" dirty="0"/>
-              <a:t>SNS </a:t>
-            </a:r>
-            <a:r>
-              <a:rPr lang="ko-KR" altLang="en-US" dirty="0"/>
-              <a:t>데이터</a:t>
-            </a:r>
-          </a:p>
-        </p:txBody>
-      </p:sp>
-      <p:sp>
-        <p:nvSpPr>
-          <p:cNvPr id="5" name="사각형: 둥근 모서리 4">
-            <a:extLst>
-              <a:ext uri="{FF2B5EF4-FFF2-40B4-BE49-F238E27FC236}">
-                <a16:creationId xmlns:a16="http://schemas.microsoft.com/office/drawing/2014/main" id="{F4346856-8BF0-3139-3993-1CE408CDBEF3}"/>
-              </a:ext>
-            </a:extLst>
-          </p:cNvPr>
-          <p:cNvSpPr/>
-          <p:nvPr/>
-        </p:nvSpPr>
-        <p:spPr>
-          <a:xfrm>
-            <a:off x="4869252" y="3535680"/>
-            <a:ext cx="2623892" cy="1398198"/>
-          </a:xfrm>
-          <a:prstGeom prst="roundRect">
-            <a:avLst/>
-          </a:prstGeom>
-          <a:ln>
-            <a:solidFill>
-              <a:schemeClr val="bg1"/>
-            </a:solidFill>
-          </a:ln>
-        </p:spPr>
-        <p:style>
-          <a:lnRef idx="2">
-            <a:schemeClr val="accent1">
-              <a:shade val="50000"/>
-            </a:schemeClr>
-          </a:lnRef>
-          <a:fillRef idx="1">
-            <a:schemeClr val="accent1"/>
-          </a:fillRef>
-          <a:effectRef idx="0">
-            <a:schemeClr val="accent1"/>
-          </a:effectRef>
-          <a:fontRef idx="minor">
-            <a:schemeClr val="lt1"/>
-          </a:fontRef>
-        </p:style>
-        <p:txBody>
-          <a:bodyPr rtlCol="0" anchor="ctr"/>
-          <a:lstStyle/>
-          <a:p>
-            <a:pPr algn="ctr"/>
-            <a:r>
-              <a:rPr lang="ko-KR" altLang="en-US" dirty="0"/>
-              <a:t>감성분류 모델</a:t>
-            </a:r>
-          </a:p>
-        </p:txBody>
-      </p:sp>
-      <p:sp>
-        <p:nvSpPr>
-          <p:cNvPr id="7" name="사각형: 둥근 모서리 6">
-            <a:extLst>
-              <a:ext uri="{FF2B5EF4-FFF2-40B4-BE49-F238E27FC236}">
-                <a16:creationId xmlns:a16="http://schemas.microsoft.com/office/drawing/2014/main" id="{825DB4A7-58CD-1FC6-7458-5EBE406869D3}"/>
-              </a:ext>
-            </a:extLst>
-          </p:cNvPr>
-          <p:cNvSpPr/>
-          <p:nvPr/>
-        </p:nvSpPr>
-        <p:spPr>
-          <a:xfrm>
-            <a:off x="9128904" y="3535680"/>
-            <a:ext cx="2623892" cy="1398198"/>
-          </a:xfrm>
-          <a:prstGeom prst="roundRect">
-            <a:avLst/>
-          </a:prstGeom>
-          <a:ln>
-            <a:solidFill>
-              <a:schemeClr val="bg1"/>
-            </a:solidFill>
-          </a:ln>
-        </p:spPr>
-        <p:style>
-          <a:lnRef idx="2">
-            <a:schemeClr val="accent1">
-              <a:shade val="50000"/>
-            </a:schemeClr>
-          </a:lnRef>
-          <a:fillRef idx="1">
-            <a:schemeClr val="accent1"/>
-          </a:fillRef>
-          <a:effectRef idx="0">
-            <a:schemeClr val="accent1"/>
-          </a:effectRef>
-          <a:fontRef idx="minor">
-            <a:schemeClr val="lt1"/>
-          </a:fontRef>
-        </p:style>
-        <p:txBody>
-          <a:bodyPr rtlCol="0" anchor="ctr"/>
-          <a:lstStyle/>
-          <a:p>
-            <a:pPr algn="ctr"/>
-            <a:r>
-              <a:rPr lang="ko-KR" altLang="en-US" dirty="0"/>
-              <a:t>영화 추천</a:t>
-            </a:r>
-          </a:p>
-        </p:txBody>
-      </p:sp>
-      <p:sp>
-        <p:nvSpPr>
-          <p:cNvPr id="10" name="화살표: 오른쪽 9">
-            <a:extLst>
-              <a:ext uri="{FF2B5EF4-FFF2-40B4-BE49-F238E27FC236}">
-                <a16:creationId xmlns:a16="http://schemas.microsoft.com/office/drawing/2014/main" id="{628567F8-EA0B-5F17-5C08-BC9344B1AF62}"/>
-              </a:ext>
-            </a:extLst>
-          </p:cNvPr>
-          <p:cNvSpPr/>
-          <p:nvPr/>
-        </p:nvSpPr>
-        <p:spPr>
-          <a:xfrm>
-            <a:off x="3566160" y="4013200"/>
-            <a:ext cx="975360" cy="483122"/>
-          </a:xfrm>
-          <a:prstGeom prst="rightArrow">
-            <a:avLst/>
-          </a:prstGeom>
-          <a:ln>
-            <a:solidFill>
-              <a:schemeClr val="bg1"/>
-            </a:solidFill>
-          </a:ln>
-          <a:effectLst>
-            <a:softEdge rad="12700"/>
-          </a:effectLst>
-        </p:spPr>
-        <p:style>
-          <a:lnRef idx="2">
-            <a:schemeClr val="accent1">
-              <a:shade val="50000"/>
-            </a:schemeClr>
-          </a:lnRef>
-          <a:fillRef idx="1">
-            <a:schemeClr val="accent1"/>
-          </a:fillRef>
-          <a:effectRef idx="0">
-            <a:schemeClr val="accent1"/>
-          </a:effectRef>
-          <a:fontRef idx="minor">
-            <a:schemeClr val="lt1"/>
-          </a:fontRef>
-        </p:style>
-        <p:txBody>
-          <a:bodyPr rtlCol="0" anchor="ctr"/>
-          <a:lstStyle/>
-          <a:p>
-            <a:pPr algn="ctr"/>
-            <a:endParaRPr lang="ko-KR" altLang="en-US"/>
-          </a:p>
-        </p:txBody>
-      </p:sp>
-      <p:sp>
-        <p:nvSpPr>
-          <p:cNvPr id="11" name="화살표: 오른쪽 10">
-            <a:extLst>
-              <a:ext uri="{FF2B5EF4-FFF2-40B4-BE49-F238E27FC236}">
-                <a16:creationId xmlns:a16="http://schemas.microsoft.com/office/drawing/2014/main" id="{7843B21F-36CD-7340-9DD1-9C2718C26655}"/>
-              </a:ext>
-            </a:extLst>
-          </p:cNvPr>
-          <p:cNvSpPr/>
-          <p:nvPr/>
-        </p:nvSpPr>
-        <p:spPr>
-          <a:xfrm>
-            <a:off x="7820876" y="3993218"/>
-            <a:ext cx="975360" cy="483122"/>
-          </a:xfrm>
-          <a:prstGeom prst="rightArrow">
-            <a:avLst/>
-          </a:prstGeom>
-          <a:ln>
-            <a:solidFill>
-              <a:schemeClr val="bg1"/>
-            </a:solidFill>
-          </a:ln>
-          <a:effectLst>
-            <a:softEdge rad="12700"/>
-          </a:effectLst>
-        </p:spPr>
-        <p:style>
-          <a:lnRef idx="2">
-            <a:schemeClr val="accent1">
-              <a:shade val="50000"/>
-            </a:schemeClr>
-          </a:lnRef>
-          <a:fillRef idx="1">
-            <a:schemeClr val="accent1"/>
-          </a:fillRef>
-          <a:effectRef idx="0">
-            <a:schemeClr val="accent1"/>
-          </a:effectRef>
-          <a:fontRef idx="minor">
-            <a:schemeClr val="lt1"/>
-          </a:fontRef>
-        </p:style>
-        <p:txBody>
-          <a:bodyPr rtlCol="0" anchor="ctr"/>
-          <a:lstStyle/>
-          <a:p>
-            <a:pPr algn="ctr"/>
-            <a:endParaRPr lang="ko-KR" altLang="en-US"/>
-          </a:p>
-        </p:txBody>
-      </p:sp>
-    </p:spTree>
-    <p:extLst>
-      <p:ext uri="{BB962C8B-B14F-4D97-AF65-F5344CB8AC3E}">
-        <p14:creationId xmlns:p14="http://schemas.microsoft.com/office/powerpoint/2010/main" val="384888077"/>
-      </p:ext>
-    </p:extLst>
-  </p:cSld>
-  <p:clrMapOvr>
-    <a:masterClrMapping/>
-  </p:clrMapOvr>
-  <mc:AlternateContent xmlns:mc="http://schemas.openxmlformats.org/markup-compatibility/2006" xmlns:p14="http://schemas.microsoft.com/office/powerpoint/2010/main">
-    <mc:Choice Requires="p14">
-      <p:transition spd="med" p14:dur="700">
-        <p:fade/>
-      </p:transition>
-    </mc:Choice>
-    <mc:Fallback xmlns="">
-      <p:transition spd="med">
-        <p:fade/>
-      </p:transition>
-    </mc:Fallback>
-  </mc:AlternateContent>
-</p:sld>
-</file>
-
-<file path=ppt/slides/slide5.xml><?xml version="1.0" encoding="utf-8"?>
-<p:sld xmlns:a="http://schemas.openxmlformats.org/drawingml/2006/main" xmlns:r="http://schemas.openxmlformats.org/officeDocument/2006/relationships" xmlns:p="http://schemas.openxmlformats.org/presentationml/2006/main">
-  <p:cSld>
-    <p:spTree>
-      <p:nvGrpSpPr>
-        <p:cNvPr id="1" name=""/>
-        <p:cNvGrpSpPr/>
-        <p:nvPr/>
-      </p:nvGrpSpPr>
-      <p:grpSpPr>
-        <a:xfrm>
-          <a:off x="0" y="0"/>
-          <a:ext cx="0" cy="0"/>
-          <a:chOff x="0" y="0"/>
-          <a:chExt cx="0" cy="0"/>
-        </a:xfrm>
-      </p:grpSpPr>
-      <p:sp>
-        <p:nvSpPr>
-          <p:cNvPr id="9" name="제목 8"/>
-          <p:cNvSpPr>
-            <a:spLocks noGrp="1"/>
-          </p:cNvSpPr>
-          <p:nvPr>
-            <p:ph type="title"/>
-          </p:nvPr>
-        </p:nvSpPr>
-        <p:spPr>
-          <a:xfrm>
-            <a:off x="609600" y="1143000"/>
-            <a:ext cx="10972800" cy="1066800"/>
-          </a:xfrm>
-        </p:spPr>
-        <p:txBody>
-          <a:bodyPr rtlCol="0" anchor="ctr">
-            <a:normAutofit/>
-          </a:bodyPr>
-          <a:lstStyle/>
-          <a:p>
-            <a:pPr rtl="0"/>
-            <a:r>
-              <a:rPr lang="en-US" altLang="ko-KR" dirty="0"/>
-              <a:t>Method</a:t>
-            </a:r>
-            <a:endParaRPr lang="ko-KR" altLang="en-US" dirty="0"/>
-          </a:p>
-        </p:txBody>
-      </p:sp>
-      <p:sp>
-        <p:nvSpPr>
-          <p:cNvPr id="6" name="텍스트 개체 틀 5"/>
-          <p:cNvSpPr>
-            <a:spLocks noGrp="1"/>
-          </p:cNvSpPr>
-          <p:nvPr>
-            <p:ph sz="half" idx="1"/>
-          </p:nvPr>
-        </p:nvSpPr>
-        <p:spPr>
-          <a:xfrm>
-            <a:off x="609600" y="2249425"/>
-            <a:ext cx="5384800" cy="4341875"/>
-          </a:xfrm>
-        </p:spPr>
-        <p:txBody>
-          <a:bodyPr rtlCol="0">
-            <a:normAutofit/>
-          </a:bodyPr>
-          <a:lstStyle/>
-          <a:p>
-            <a:pPr rtl="0"/>
-            <a:r>
-              <a:rPr lang="en-US" altLang="ko-KR" dirty="0"/>
-              <a:t>LSTM(Long Short-Term Memory)</a:t>
-            </a:r>
-          </a:p>
-          <a:p>
-            <a:pPr lvl="1"/>
-            <a:endParaRPr lang="en-US" altLang="ko-KR" dirty="0"/>
-          </a:p>
-          <a:p>
-            <a:pPr lvl="1"/>
-            <a:r>
-              <a:rPr lang="en-US" altLang="ko-KR" dirty="0"/>
-              <a:t>Input:</a:t>
-            </a:r>
-            <a:r>
-              <a:rPr lang="ko-KR" altLang="en-US" dirty="0"/>
-              <a:t> </a:t>
-            </a:r>
-            <a:r>
-              <a:rPr lang="en-US" altLang="ko-KR" dirty="0"/>
-              <a:t>tokenizing</a:t>
-            </a:r>
-            <a:r>
-              <a:rPr lang="ko-KR" altLang="en-US" dirty="0"/>
-              <a:t>한 리뷰 데이터</a:t>
-            </a:r>
-            <a:endParaRPr lang="en-US" altLang="ko-KR" dirty="0"/>
-          </a:p>
-          <a:p>
-            <a:pPr lvl="1"/>
-            <a:endParaRPr lang="en-US" altLang="ko-KR" dirty="0"/>
-          </a:p>
-          <a:p>
-            <a:pPr lvl="1"/>
-            <a:r>
-              <a:rPr lang="ko-KR" altLang="en-US" dirty="0"/>
-              <a:t>활성화 함수</a:t>
-            </a:r>
-            <a:r>
-              <a:rPr lang="en-US" altLang="ko-KR" dirty="0"/>
-              <a:t>: sigmoid</a:t>
-            </a:r>
-          </a:p>
-          <a:p>
-            <a:pPr lvl="1"/>
-            <a:endParaRPr lang="en-US" altLang="ko-KR" sz="2000" dirty="0"/>
-          </a:p>
-          <a:p>
-            <a:pPr lvl="1"/>
-            <a:endParaRPr lang="en-US" altLang="ko-KR" sz="2000" dirty="0"/>
-          </a:p>
-        </p:txBody>
-      </p:sp>
-      <p:pic>
-        <p:nvPicPr>
-          <p:cNvPr id="2062" name="Picture 14">
-            <a:extLst>
-              <a:ext uri="{FF2B5EF4-FFF2-40B4-BE49-F238E27FC236}">
-                <a16:creationId xmlns:a16="http://schemas.microsoft.com/office/drawing/2014/main" id="{52492BCD-CE7F-EA2F-6B8A-5250E155FA48}"/>
-              </a:ext>
-            </a:extLst>
-          </p:cNvPr>
-          <p:cNvPicPr>
-            <a:picLocks noChangeAspect="1" noChangeArrowheads="1"/>
-          </p:cNvPicPr>
-          <p:nvPr/>
-        </p:nvPicPr>
-        <p:blipFill>
-          <a:blip r:embed="rId3">
-            <a:extLst>
-              <a:ext uri="{28A0092B-C50C-407E-A947-70E740481C1C}">
-                <a14:useLocalDpi xmlns:a14="http://schemas.microsoft.com/office/drawing/2010/main" val="0"/>
-              </a:ext>
-            </a:extLst>
-          </a:blip>
-          <a:stretch>
-            <a:fillRect/>
-          </a:stretch>
-        </p:blipFill>
-        <p:spPr bwMode="auto">
-          <a:xfrm>
-            <a:off x="6197600" y="2973197"/>
-            <a:ext cx="5384800" cy="2894330"/>
-          </a:xfrm>
-          <a:prstGeom prst="rect">
-            <a:avLst/>
-          </a:prstGeom>
-          <a:solidFill>
-            <a:srgbClr val="FFFFFF"/>
-          </a:solidFill>
-          <a:extLst>
-            <a:ext uri="{909E8E84-426E-40DD-AFC4-6F175D3DCCD1}">
-              <a14:hiddenFill xmlns:a14="http://schemas.microsoft.com/office/drawing/2010/main">
-                <a:solidFill>
-                  <a:srgbClr val="FFFFFF"/>
-                </a:solidFill>
-              </a14:hiddenFill>
-            </a:ext>
-          </a:extLst>
-        </p:spPr>
-      </p:pic>
-    </p:spTree>
-    <p:extLst>
-      <p:ext uri="{BB962C8B-B14F-4D97-AF65-F5344CB8AC3E}">
-        <p14:creationId xmlns:p14="http://schemas.microsoft.com/office/powerpoint/2010/main" val="4237039325"/>
-      </p:ext>
-    </p:extLst>
-  </p:cSld>
-  <p:clrMapOvr>
-    <a:masterClrMapping/>
-  </p:clrMapOvr>
-  <mc:AlternateContent xmlns:mc="http://schemas.openxmlformats.org/markup-compatibility/2006" xmlns:p14="http://schemas.microsoft.com/office/powerpoint/2010/main">
-    <mc:Choice Requires="p14">
-      <p:transition spd="med" p14:dur="700">
-        <p:fade/>
-      </p:transition>
-    </mc:Choice>
-    <mc:Fallback xmlns="">
-      <p:transition spd="med">
-        <p:fade/>
-      </p:transition>
-    </mc:Fallback>
-  </mc:AlternateContent>
-</p:sld>
-</file>
-
-<file path=ppt/slides/slide6.xml><?xml version="1.0" encoding="utf-8"?>
-<p:sld xmlns:a="http://schemas.openxmlformats.org/drawingml/2006/main" xmlns:r="http://schemas.openxmlformats.org/officeDocument/2006/relationships" xmlns:p="http://schemas.openxmlformats.org/presentationml/2006/main">
-  <p:cSld>
-    <p:spTree>
-      <p:nvGrpSpPr>
-        <p:cNvPr id="1" name=""/>
-        <p:cNvGrpSpPr/>
-        <p:nvPr/>
-      </p:nvGrpSpPr>
-      <p:grpSpPr>
-        <a:xfrm>
-          <a:off x="0" y="0"/>
-          <a:ext cx="0" cy="0"/>
-          <a:chOff x="0" y="0"/>
-          <a:chExt cx="0" cy="0"/>
-        </a:xfrm>
-      </p:grpSpPr>
-      <p:sp>
-        <p:nvSpPr>
-          <p:cNvPr id="2" name="제목 1"/>
-          <p:cNvSpPr>
-            <a:spLocks noGrp="1"/>
-          </p:cNvSpPr>
-          <p:nvPr>
-            <p:ph type="title"/>
-          </p:nvPr>
-        </p:nvSpPr>
-        <p:spPr>
-          <a:xfrm>
-            <a:off x="609600" y="1143000"/>
-            <a:ext cx="10972800" cy="1066800"/>
-          </a:xfrm>
-        </p:spPr>
-        <p:txBody>
-          <a:bodyPr rtlCol="0" anchor="ctr">
-            <a:normAutofit/>
-          </a:bodyPr>
-          <a:lstStyle/>
-          <a:p>
-            <a:pPr rtl="0"/>
-            <a:r>
-              <a:rPr lang="en-US" altLang="ko-KR" dirty="0"/>
-              <a:t>Method</a:t>
-            </a:r>
-            <a:endParaRPr lang="ko-KR" altLang="en-US" dirty="0"/>
-          </a:p>
-        </p:txBody>
-      </p:sp>
-      <p:sp>
-        <p:nvSpPr>
-          <p:cNvPr id="3" name="내용 개체 틀 2"/>
-          <p:cNvSpPr>
-            <a:spLocks noGrp="1"/>
-          </p:cNvSpPr>
-          <p:nvPr>
-            <p:ph sz="half" idx="1"/>
-          </p:nvPr>
-        </p:nvSpPr>
-        <p:spPr>
-          <a:xfrm>
-            <a:off x="609600" y="2249425"/>
-            <a:ext cx="6517710" cy="4301687"/>
-          </a:xfrm>
-        </p:spPr>
-        <p:txBody>
-          <a:bodyPr rtlCol="0">
-            <a:normAutofit/>
-          </a:bodyPr>
-          <a:lstStyle/>
-          <a:p>
-            <a:pPr rtl="0"/>
-            <a:r>
-              <a:rPr lang="en-US" altLang="ko-KR" dirty="0"/>
-              <a:t>Dataset</a:t>
-            </a:r>
-          </a:p>
-          <a:p>
-            <a:pPr lvl="1"/>
-            <a:endParaRPr lang="en-US" altLang="ko-KR" sz="2000" dirty="0"/>
-          </a:p>
-          <a:p>
-            <a:pPr lvl="1"/>
-            <a:r>
-              <a:rPr lang="en-US" altLang="ko-KR" sz="2000" dirty="0">
-                <a:hlinkClick r:id="rId3"/>
-              </a:rPr>
-              <a:t>https://github.com/e9t/nsmc</a:t>
-            </a:r>
-            <a:r>
-              <a:rPr lang="en-US" altLang="ko-KR" sz="2000" dirty="0"/>
-              <a:t> </a:t>
-            </a:r>
-            <a:r>
-              <a:rPr lang="ko-KR" altLang="en-US" sz="2000" dirty="0"/>
-              <a:t>에서 </a:t>
-            </a:r>
-            <a:r>
-              <a:rPr lang="en-US" altLang="ko-KR" sz="2000" dirty="0"/>
-              <a:t>train</a:t>
-            </a:r>
-            <a:r>
-              <a:rPr lang="ko-KR" altLang="en-US" sz="2000" dirty="0"/>
-              <a:t>과 </a:t>
-            </a:r>
-            <a:r>
-              <a:rPr lang="en-US" altLang="ko-KR" sz="2000" dirty="0"/>
-              <a:t>test </a:t>
-            </a:r>
-            <a:r>
-              <a:rPr lang="ko-KR" altLang="en-US" sz="2000" dirty="0"/>
-              <a:t>셋 획득</a:t>
-            </a:r>
-            <a:endParaRPr lang="en-US" altLang="ko-KR" sz="2000" dirty="0"/>
-          </a:p>
-          <a:p>
-            <a:pPr lvl="1"/>
-            <a:endParaRPr lang="en-US" altLang="ko-KR" sz="2000" dirty="0"/>
-          </a:p>
-          <a:p>
-            <a:pPr lvl="1"/>
-            <a:r>
-              <a:rPr lang="en-US" altLang="ko-KR" sz="2000" dirty="0">
-                <a:hlinkClick r:id="rId4"/>
-              </a:rPr>
-              <a:t>https://movie.naver.com/movie/point/af/list.naver</a:t>
-            </a:r>
-            <a:r>
-              <a:rPr lang="en-US" altLang="ko-KR" sz="2000" dirty="0"/>
-              <a:t> </a:t>
-            </a:r>
-            <a:r>
-              <a:rPr lang="ko-KR" altLang="en-US" sz="2000" dirty="0"/>
-              <a:t>에서 리뷰 데이터 획득</a:t>
-            </a:r>
-            <a:endParaRPr lang="en-US" altLang="ko-KR" sz="2000" dirty="0"/>
-          </a:p>
-        </p:txBody>
-      </p:sp>
-      <p:pic>
-        <p:nvPicPr>
-          <p:cNvPr id="8" name="그림 7">
-            <a:extLst>
-              <a:ext uri="{FF2B5EF4-FFF2-40B4-BE49-F238E27FC236}">
-                <a16:creationId xmlns:a16="http://schemas.microsoft.com/office/drawing/2014/main" id="{668DBCF4-D347-218D-4B30-B1B8332E42EB}"/>
-              </a:ext>
-            </a:extLst>
-          </p:cNvPr>
-          <p:cNvPicPr>
-            <a:picLocks noChangeAspect="1"/>
-          </p:cNvPicPr>
-          <p:nvPr/>
-        </p:nvPicPr>
-        <p:blipFill>
-          <a:blip r:embed="rId5"/>
-          <a:stretch>
-            <a:fillRect/>
-          </a:stretch>
-        </p:blipFill>
-        <p:spPr>
-          <a:xfrm>
-            <a:off x="7598042" y="3178479"/>
-            <a:ext cx="3984358" cy="2051470"/>
-          </a:xfrm>
-          <a:prstGeom prst="rect">
-            <a:avLst/>
-          </a:prstGeom>
-          <a:noFill/>
-        </p:spPr>
-      </p:pic>
-    </p:spTree>
-    <p:extLst>
-      <p:ext uri="{BB962C8B-B14F-4D97-AF65-F5344CB8AC3E}">
-        <p14:creationId xmlns:p14="http://schemas.microsoft.com/office/powerpoint/2010/main" val="3514341159"/>
-      </p:ext>
-    </p:extLst>
-  </p:cSld>
-  <p:clrMapOvr>
-    <a:masterClrMapping/>
-  </p:clrMapOvr>
-  <mc:AlternateContent xmlns:mc="http://schemas.openxmlformats.org/markup-compatibility/2006" xmlns:p14="http://schemas.microsoft.com/office/powerpoint/2010/main">
-    <mc:Choice Requires="p14">
-      <p:transition spd="med" p14:dur="700">
-        <p:fade/>
-      </p:transition>
-    </mc:Choice>
-    <mc:Fallback xmlns="">
-      <p:transition spd="med">
-        <p:fade/>
-      </p:transition>
-    </mc:Fallback>
-  </mc:AlternateContent>
-</p:sld>
-</file>
-
-<file path=ppt/slides/slide7.xml><?xml version="1.0" encoding="utf-8"?>
-<p:sld xmlns:a="http://schemas.openxmlformats.org/drawingml/2006/main" xmlns:r="http://schemas.openxmlformats.org/officeDocument/2006/relationships" xmlns:p="http://schemas.openxmlformats.org/presentationml/2006/main">
-  <p:cSld>
-    <p:spTree>
-      <p:nvGrpSpPr>
-        <p:cNvPr id="1" name=""/>
-        <p:cNvGrpSpPr/>
-        <p:nvPr/>
-      </p:nvGrpSpPr>
-      <p:grpSpPr>
-        <a:xfrm>
-          <a:off x="0" y="0"/>
-          <a:ext cx="0" cy="0"/>
-          <a:chOff x="0" y="0"/>
-          <a:chExt cx="0" cy="0"/>
-        </a:xfrm>
-      </p:grpSpPr>
-      <p:sp>
-        <p:nvSpPr>
-          <p:cNvPr id="2" name="제목 1"/>
-          <p:cNvSpPr>
-            <a:spLocks noGrp="1"/>
-          </p:cNvSpPr>
-          <p:nvPr>
-            <p:ph type="title"/>
-          </p:nvPr>
-        </p:nvSpPr>
-        <p:spPr/>
-        <p:txBody>
-          <a:bodyPr rtlCol="0"/>
-          <a:lstStyle/>
-          <a:p>
-            <a:pPr rtl="0"/>
-            <a:r>
-              <a:rPr lang="en-US" altLang="ko-KR" dirty="0"/>
-              <a:t>Results</a:t>
-            </a:r>
-            <a:endParaRPr lang="ko-KR" altLang="en-US" dirty="0"/>
-          </a:p>
-        </p:txBody>
-      </p:sp>
-      <p:pic>
-        <p:nvPicPr>
-          <p:cNvPr id="4098" name="Picture 2">
-            <a:extLst>
-              <a:ext uri="{FF2B5EF4-FFF2-40B4-BE49-F238E27FC236}">
-                <a16:creationId xmlns:a16="http://schemas.microsoft.com/office/drawing/2014/main" id="{34E542FC-D89D-AD68-455A-99AB33B41C40}"/>
-              </a:ext>
-            </a:extLst>
-          </p:cNvPr>
-          <p:cNvPicPr>
-            <a:picLocks noGrp="1" noChangeAspect="1" noChangeArrowheads="1"/>
-          </p:cNvPicPr>
-          <p:nvPr>
-            <p:ph idx="1"/>
-          </p:nvPr>
-        </p:nvPicPr>
-        <p:blipFill>
-          <a:blip r:embed="rId3">
-            <a:extLst>
-              <a:ext uri="{28A0092B-C50C-407E-A947-70E740481C1C}">
-                <a14:useLocalDpi xmlns:a14="http://schemas.microsoft.com/office/drawing/2010/main" val="0"/>
-              </a:ext>
-            </a:extLst>
-          </a:blip>
-          <a:srcRect/>
-          <a:stretch>
-            <a:fillRect/>
-          </a:stretch>
-        </p:blipFill>
-        <p:spPr bwMode="auto">
-          <a:xfrm>
-            <a:off x="1040482" y="2541429"/>
-            <a:ext cx="4360144" cy="3045180"/>
-          </a:xfrm>
-          <a:prstGeom prst="rect">
-            <a:avLst/>
-          </a:prstGeom>
-          <a:noFill/>
-          <a:extLst>
-            <a:ext uri="{909E8E84-426E-40DD-AFC4-6F175D3DCCD1}">
-              <a14:hiddenFill xmlns:a14="http://schemas.microsoft.com/office/drawing/2010/main">
-                <a:solidFill>
-                  <a:srgbClr val="FFFFFF"/>
-                </a:solidFill>
-              </a14:hiddenFill>
-            </a:ext>
-          </a:extLst>
-        </p:spPr>
-      </p:pic>
-      <p:pic>
-        <p:nvPicPr>
-          <p:cNvPr id="4100" name="Picture 4">
-            <a:extLst>
-              <a:ext uri="{FF2B5EF4-FFF2-40B4-BE49-F238E27FC236}">
-                <a16:creationId xmlns:a16="http://schemas.microsoft.com/office/drawing/2014/main" id="{6CE6EA74-BAA6-E894-EF56-23250877EF4E}"/>
-              </a:ext>
-            </a:extLst>
-          </p:cNvPr>
-          <p:cNvPicPr>
-            <a:picLocks noChangeAspect="1" noChangeArrowheads="1"/>
-          </p:cNvPicPr>
-          <p:nvPr/>
-        </p:nvPicPr>
-        <p:blipFill>
-          <a:blip r:embed="rId4">
-            <a:extLst>
-              <a:ext uri="{28A0092B-C50C-407E-A947-70E740481C1C}">
-                <a14:useLocalDpi xmlns:a14="http://schemas.microsoft.com/office/drawing/2010/main" val="0"/>
-              </a:ext>
-            </a:extLst>
-          </a:blip>
-          <a:srcRect/>
-          <a:stretch>
-            <a:fillRect/>
-          </a:stretch>
-        </p:blipFill>
-        <p:spPr bwMode="auto">
-          <a:xfrm>
-            <a:off x="6470042" y="2541429"/>
-            <a:ext cx="4360144" cy="3045180"/>
-          </a:xfrm>
-          <a:prstGeom prst="rect">
-            <a:avLst/>
-          </a:prstGeom>
-          <a:noFill/>
-          <a:extLst>
-            <a:ext uri="{909E8E84-426E-40DD-AFC4-6F175D3DCCD1}">
-              <a14:hiddenFill xmlns:a14="http://schemas.microsoft.com/office/drawing/2010/main">
-                <a:solidFill>
-                  <a:srgbClr val="FFFFFF"/>
-                </a:solidFill>
-              </a14:hiddenFill>
-            </a:ext>
-          </a:extLst>
-        </p:spPr>
-      </p:pic>
-    </p:spTree>
-    <p:extLst>
-      <p:ext uri="{BB962C8B-B14F-4D97-AF65-F5344CB8AC3E}">
-        <p14:creationId xmlns:p14="http://schemas.microsoft.com/office/powerpoint/2010/main" val="3046085847"/>
-      </p:ext>
-    </p:extLst>
-  </p:cSld>
-  <p:clrMapOvr>
-    <a:masterClrMapping/>
-  </p:clrMapOvr>
-  <mc:AlternateContent xmlns:mc="http://schemas.openxmlformats.org/markup-compatibility/2006" xmlns:p14="http://schemas.microsoft.com/office/powerpoint/2010/main">
-    <mc:Choice Requires="p14">
-      <p:transition spd="med" p14:dur="700">
-        <p:fade/>
-      </p:transition>
-    </mc:Choice>
-    <mc:Fallback xmlns="">
-      <p:transition spd="med">
-        <p:fade/>
-      </p:transition>
-    </mc:Fallback>
-  </mc:AlternateContent>
-</p:sld>
-</file>
-
-<file path=ppt/slides/slide8.xml><?xml version="1.0" encoding="utf-8"?>
 <p:sld xmlns:a="http://schemas.openxmlformats.org/drawingml/2006/main" xmlns:r="http://schemas.openxmlformats.org/officeDocument/2006/relationships" xmlns:p="http://schemas.openxmlformats.org/presentationml/2006/main">
   <p:cSld>
     <p:spTree>
@@ -8274,7 +6865,734 @@
 </p:sld>
 </file>
 
-<file path=ppt/slides/slide9.xml><?xml version="1.0" encoding="utf-8"?>
+<file path=ppt/slides/slide12.xml><?xml version="1.0" encoding="utf-8"?>
+<p:sld xmlns:a="http://schemas.openxmlformats.org/drawingml/2006/main" xmlns:r="http://schemas.openxmlformats.org/officeDocument/2006/relationships" xmlns:p="http://schemas.openxmlformats.org/presentationml/2006/main">
+  <p:cSld>
+    <p:spTree>
+      <p:nvGrpSpPr>
+        <p:cNvPr id="1" name=""/>
+        <p:cNvGrpSpPr/>
+        <p:nvPr/>
+      </p:nvGrpSpPr>
+      <p:grpSpPr>
+        <a:xfrm>
+          <a:off x="0" y="0"/>
+          <a:ext cx="0" cy="0"/>
+          <a:chOff x="0" y="0"/>
+          <a:chExt cx="0" cy="0"/>
+        </a:xfrm>
+      </p:grpSpPr>
+      <p:sp>
+        <p:nvSpPr>
+          <p:cNvPr id="2" name="제목 1"/>
+          <p:cNvSpPr>
+            <a:spLocks noGrp="1"/>
+          </p:cNvSpPr>
+          <p:nvPr>
+            <p:ph type="title"/>
+          </p:nvPr>
+        </p:nvSpPr>
+        <p:spPr/>
+        <p:txBody>
+          <a:bodyPr rtlCol="0"/>
+          <a:lstStyle/>
+          <a:p>
+            <a:pPr rtl="0"/>
+            <a:r>
+              <a:rPr lang="en-US" altLang="ko-KR" dirty="0"/>
+              <a:t>Conclusion</a:t>
+            </a:r>
+            <a:endParaRPr lang="ko-KR" altLang="en-US" dirty="0"/>
+          </a:p>
+        </p:txBody>
+      </p:sp>
+      <p:sp>
+        <p:nvSpPr>
+          <p:cNvPr id="4" name="텍스트 개체 틀 3"/>
+          <p:cNvSpPr>
+            <a:spLocks noGrp="1"/>
+          </p:cNvSpPr>
+          <p:nvPr>
+            <p:ph sz="half" idx="1"/>
+          </p:nvPr>
+        </p:nvSpPr>
+        <p:spPr>
+          <a:xfrm>
+            <a:off x="609600" y="2249425"/>
+            <a:ext cx="10972800" cy="4341875"/>
+          </a:xfrm>
+        </p:spPr>
+        <p:txBody>
+          <a:bodyPr rtlCol="0"/>
+          <a:lstStyle/>
+          <a:p>
+            <a:pPr rtl="0"/>
+            <a:r>
+              <a:rPr lang="en-US" altLang="ko-KR" dirty="0"/>
+              <a:t>Problems</a:t>
+            </a:r>
+          </a:p>
+          <a:p>
+            <a:pPr rtl="0"/>
+            <a:endParaRPr lang="en-US" altLang="ko-KR" dirty="0"/>
+          </a:p>
+          <a:p>
+            <a:pPr lvl="1"/>
+            <a:r>
+              <a:rPr lang="ko-KR" altLang="en-US" dirty="0"/>
+              <a:t>사용자의 </a:t>
+            </a:r>
+            <a:r>
+              <a:rPr lang="en-US" altLang="ko-KR" dirty="0"/>
+              <a:t>SNS word data</a:t>
+            </a:r>
+            <a:r>
+              <a:rPr lang="ko-KR" altLang="en-US" dirty="0"/>
+              <a:t>만 수집하다 보니 </a:t>
+            </a:r>
+            <a:r>
+              <a:rPr lang="en-US" altLang="ko-KR" dirty="0"/>
+              <a:t>data</a:t>
+            </a:r>
+            <a:r>
+              <a:rPr lang="ko-KR" altLang="en-US" dirty="0"/>
+              <a:t>가 없는 경우 추천이 불가</a:t>
+            </a:r>
+            <a:endParaRPr lang="en-US" altLang="ko-KR" dirty="0"/>
+          </a:p>
+          <a:p>
+            <a:pPr lvl="2"/>
+            <a:r>
+              <a:rPr lang="ko-KR" altLang="en-US" dirty="0"/>
+              <a:t>해결 방안</a:t>
+            </a:r>
+            <a:r>
+              <a:rPr lang="en-US" altLang="ko-KR" dirty="0"/>
+              <a:t>: word data </a:t>
+            </a:r>
+            <a:r>
+              <a:rPr lang="ko-KR" altLang="en-US" dirty="0"/>
+              <a:t>뿐 아니라 이미지 또는 영상까지 데이터 확보</a:t>
+            </a:r>
+            <a:endParaRPr lang="en-US" altLang="ko-KR" dirty="0"/>
+          </a:p>
+          <a:p>
+            <a:pPr lvl="1"/>
+            <a:endParaRPr lang="en-US" altLang="ko-KR" dirty="0"/>
+          </a:p>
+          <a:p>
+            <a:pPr lvl="1"/>
+            <a:r>
+              <a:rPr lang="ko-KR" altLang="en-US" dirty="0"/>
+              <a:t>인스타그램의 주기적인 시스템 업데이트로 인한 </a:t>
+            </a:r>
+            <a:r>
+              <a:rPr lang="ko-KR" altLang="en-US" dirty="0" err="1"/>
+              <a:t>크롤링</a:t>
+            </a:r>
+            <a:r>
+              <a:rPr lang="ko-KR" altLang="en-US" dirty="0"/>
+              <a:t> 불가 문제</a:t>
+            </a:r>
+            <a:endParaRPr lang="en-US" altLang="ko-KR" dirty="0"/>
+          </a:p>
+          <a:p>
+            <a:pPr lvl="2"/>
+            <a:r>
+              <a:rPr lang="ko-KR" altLang="en-US" dirty="0"/>
+              <a:t>해결 방안</a:t>
+            </a:r>
+            <a:r>
+              <a:rPr lang="en-US" altLang="ko-KR" dirty="0"/>
+              <a:t>: </a:t>
+            </a:r>
+            <a:r>
+              <a:rPr lang="ko-KR" altLang="en-US" dirty="0"/>
+              <a:t>주기적인 확인 또는 다른 대체제로 다른 </a:t>
+            </a:r>
+            <a:r>
+              <a:rPr lang="en-US" altLang="ko-KR" dirty="0"/>
+              <a:t>SNS </a:t>
+            </a:r>
+            <a:r>
+              <a:rPr lang="ko-KR" altLang="en-US" dirty="0" err="1"/>
+              <a:t>크롤링</a:t>
+            </a:r>
+            <a:endParaRPr lang="en-US" altLang="ko-KR" dirty="0"/>
+          </a:p>
+          <a:p>
+            <a:pPr lvl="1"/>
+            <a:endParaRPr lang="en-US" altLang="ko-KR" dirty="0"/>
+          </a:p>
+          <a:p>
+            <a:pPr lvl="1"/>
+            <a:r>
+              <a:rPr lang="ko-KR" altLang="en-US" dirty="0"/>
+              <a:t>속도가 너무 느린 문제</a:t>
+            </a:r>
+            <a:endParaRPr lang="en-US" altLang="ko-KR" dirty="0"/>
+          </a:p>
+          <a:p>
+            <a:pPr lvl="2"/>
+            <a:r>
+              <a:rPr lang="ko-KR" altLang="en-US" dirty="0"/>
+              <a:t>해결 방안</a:t>
+            </a:r>
+            <a:r>
+              <a:rPr lang="en-US" altLang="ko-KR" dirty="0"/>
+              <a:t>: </a:t>
+            </a:r>
+            <a:r>
+              <a:rPr lang="ko-KR" altLang="en-US" dirty="0"/>
+              <a:t>최적화 필요</a:t>
+            </a:r>
+            <a:endParaRPr lang="en-US" altLang="ko-KR" dirty="0"/>
+          </a:p>
+          <a:p>
+            <a:pPr marL="411480" lvl="1" indent="0">
+              <a:buNone/>
+            </a:pPr>
+            <a:endParaRPr lang="en-US" altLang="ko-KR" dirty="0"/>
+          </a:p>
+        </p:txBody>
+      </p:sp>
+    </p:spTree>
+    <p:extLst>
+      <p:ext uri="{BB962C8B-B14F-4D97-AF65-F5344CB8AC3E}">
+        <p14:creationId xmlns:p14="http://schemas.microsoft.com/office/powerpoint/2010/main" val="3389132344"/>
+      </p:ext>
+    </p:extLst>
+  </p:cSld>
+  <p:clrMapOvr>
+    <a:masterClrMapping/>
+  </p:clrMapOvr>
+  <mc:AlternateContent xmlns:mc="http://schemas.openxmlformats.org/markup-compatibility/2006" xmlns:p14="http://schemas.microsoft.com/office/powerpoint/2010/main">
+    <mc:Choice Requires="p14">
+      <p:transition spd="med" p14:dur="700">
+        <p:fade/>
+      </p:transition>
+    </mc:Choice>
+    <mc:Fallback xmlns="">
+      <p:transition spd="med">
+        <p:fade/>
+      </p:transition>
+    </mc:Fallback>
+  </mc:AlternateContent>
+</p:sld>
+</file>
+
+<file path=ppt/slides/slide13.xml><?xml version="1.0" encoding="utf-8"?>
+<p:sld xmlns:a="http://schemas.openxmlformats.org/drawingml/2006/main" xmlns:r="http://schemas.openxmlformats.org/officeDocument/2006/relationships" xmlns:p="http://schemas.openxmlformats.org/presentationml/2006/main">
+  <p:cSld>
+    <p:spTree>
+      <p:nvGrpSpPr>
+        <p:cNvPr id="1" name=""/>
+        <p:cNvGrpSpPr/>
+        <p:nvPr/>
+      </p:nvGrpSpPr>
+      <p:grpSpPr>
+        <a:xfrm>
+          <a:off x="0" y="0"/>
+          <a:ext cx="0" cy="0"/>
+          <a:chOff x="0" y="0"/>
+          <a:chExt cx="0" cy="0"/>
+        </a:xfrm>
+      </p:grpSpPr>
+      <p:sp>
+        <p:nvSpPr>
+          <p:cNvPr id="2" name="제목 1"/>
+          <p:cNvSpPr>
+            <a:spLocks noGrp="1"/>
+          </p:cNvSpPr>
+          <p:nvPr>
+            <p:ph type="title"/>
+          </p:nvPr>
+        </p:nvSpPr>
+        <p:spPr>
+          <a:xfrm>
+            <a:off x="4709160" y="2895600"/>
+            <a:ext cx="2773680" cy="1066800"/>
+          </a:xfrm>
+        </p:spPr>
+        <p:txBody>
+          <a:bodyPr rtlCol="0"/>
+          <a:lstStyle/>
+          <a:p>
+            <a:pPr rtl="0"/>
+            <a:r>
+              <a:rPr lang="ko-KR" altLang="en-US" dirty="0"/>
+              <a:t>감사합니다</a:t>
+            </a:r>
+          </a:p>
+        </p:txBody>
+      </p:sp>
+    </p:spTree>
+    <p:extLst>
+      <p:ext uri="{BB962C8B-B14F-4D97-AF65-F5344CB8AC3E}">
+        <p14:creationId xmlns:p14="http://schemas.microsoft.com/office/powerpoint/2010/main" val="1531528155"/>
+      </p:ext>
+    </p:extLst>
+  </p:cSld>
+  <p:clrMapOvr>
+    <a:masterClrMapping/>
+  </p:clrMapOvr>
+  <mc:AlternateContent xmlns:mc="http://schemas.openxmlformats.org/markup-compatibility/2006" xmlns:p14="http://schemas.microsoft.com/office/powerpoint/2010/main">
+    <mc:Choice Requires="p14">
+      <p:transition spd="med" p14:dur="700">
+        <p:fade/>
+      </p:transition>
+    </mc:Choice>
+    <mc:Fallback xmlns="">
+      <p:transition spd="med">
+        <p:fade/>
+      </p:transition>
+    </mc:Fallback>
+  </mc:AlternateContent>
+</p:sld>
+</file>
+
+<file path=ppt/slides/slide2.xml><?xml version="1.0" encoding="utf-8"?>
+<p:sld xmlns:a="http://schemas.openxmlformats.org/drawingml/2006/main" xmlns:r="http://schemas.openxmlformats.org/officeDocument/2006/relationships" xmlns:p="http://schemas.openxmlformats.org/presentationml/2006/main">
+  <p:cSld>
+    <p:spTree>
+      <p:nvGrpSpPr>
+        <p:cNvPr id="1" name=""/>
+        <p:cNvGrpSpPr/>
+        <p:nvPr/>
+      </p:nvGrpSpPr>
+      <p:grpSpPr>
+        <a:xfrm>
+          <a:off x="0" y="0"/>
+          <a:ext cx="0" cy="0"/>
+          <a:chOff x="0" y="0"/>
+          <a:chExt cx="0" cy="0"/>
+        </a:xfrm>
+      </p:grpSpPr>
+      <p:sp>
+        <p:nvSpPr>
+          <p:cNvPr id="2" name="제목 1"/>
+          <p:cNvSpPr>
+            <a:spLocks noGrp="1"/>
+          </p:cNvSpPr>
+          <p:nvPr>
+            <p:ph type="title"/>
+          </p:nvPr>
+        </p:nvSpPr>
+        <p:spPr/>
+        <p:txBody>
+          <a:bodyPr rtlCol="0"/>
+          <a:lstStyle/>
+          <a:p>
+            <a:pPr rtl="0"/>
+            <a:r>
+              <a:rPr lang="en-US" altLang="ko-KR" dirty="0"/>
+              <a:t>Contents</a:t>
+            </a:r>
+            <a:endParaRPr lang="ko-KR" altLang="en-US" dirty="0"/>
+          </a:p>
+        </p:txBody>
+      </p:sp>
+      <p:sp>
+        <p:nvSpPr>
+          <p:cNvPr id="3" name="내용 개체 틀 2"/>
+          <p:cNvSpPr>
+            <a:spLocks noGrp="1"/>
+          </p:cNvSpPr>
+          <p:nvPr>
+            <p:ph idx="1"/>
+          </p:nvPr>
+        </p:nvSpPr>
+        <p:spPr/>
+        <p:txBody>
+          <a:bodyPr rtlCol="0"/>
+          <a:lstStyle/>
+          <a:p>
+            <a:pPr rtl="0"/>
+            <a:r>
+              <a:rPr lang="en-US" altLang="ko-KR" sz="2000" dirty="0"/>
+              <a:t>Introduction</a:t>
+            </a:r>
+          </a:p>
+          <a:p>
+            <a:pPr rtl="0"/>
+            <a:endParaRPr lang="en-US" altLang="ko-KR" sz="2000" dirty="0"/>
+          </a:p>
+          <a:p>
+            <a:pPr rtl="0"/>
+            <a:r>
+              <a:rPr lang="en-US" altLang="ko-KR" sz="2000" dirty="0"/>
+              <a:t>UML Diagram</a:t>
+            </a:r>
+          </a:p>
+          <a:p>
+            <a:pPr rtl="0"/>
+            <a:endParaRPr lang="en-US" altLang="ko-KR" sz="2000" dirty="0"/>
+          </a:p>
+          <a:p>
+            <a:pPr rtl="0"/>
+            <a:r>
+              <a:rPr lang="en-US" altLang="ko-KR" sz="2000" dirty="0"/>
+              <a:t>Related Works</a:t>
+            </a:r>
+          </a:p>
+          <a:p>
+            <a:pPr rtl="0"/>
+            <a:endParaRPr lang="en-US" altLang="ko-KR" sz="2000" dirty="0"/>
+          </a:p>
+          <a:p>
+            <a:pPr rtl="0"/>
+            <a:r>
+              <a:rPr lang="en-US" altLang="ko-KR" sz="2000" dirty="0"/>
+              <a:t>Method</a:t>
+            </a:r>
+          </a:p>
+          <a:p>
+            <a:pPr marL="109728" indent="0" rtl="0">
+              <a:buNone/>
+            </a:pPr>
+            <a:endParaRPr lang="en-US" altLang="ko-KR" sz="2000" dirty="0"/>
+          </a:p>
+          <a:p>
+            <a:pPr rtl="0"/>
+            <a:r>
+              <a:rPr lang="en-US" altLang="ko-KR" sz="2000" dirty="0"/>
+              <a:t>Results</a:t>
+            </a:r>
+          </a:p>
+          <a:p>
+            <a:pPr rtl="0"/>
+            <a:endParaRPr lang="en-US" altLang="ko-KR" sz="2000" dirty="0"/>
+          </a:p>
+          <a:p>
+            <a:pPr rtl="0"/>
+            <a:r>
+              <a:rPr lang="en-US" altLang="ko-KR" sz="2000" dirty="0"/>
+              <a:t>Conclusion</a:t>
+            </a:r>
+          </a:p>
+          <a:p>
+            <a:pPr rtl="0"/>
+            <a:endParaRPr lang="en-US" altLang="ko-KR" dirty="0"/>
+          </a:p>
+        </p:txBody>
+      </p:sp>
+    </p:spTree>
+    <p:extLst>
+      <p:ext uri="{BB962C8B-B14F-4D97-AF65-F5344CB8AC3E}">
+        <p14:creationId xmlns:p14="http://schemas.microsoft.com/office/powerpoint/2010/main" val="1851896080"/>
+      </p:ext>
+    </p:extLst>
+  </p:cSld>
+  <p:clrMapOvr>
+    <a:masterClrMapping/>
+  </p:clrMapOvr>
+  <mc:AlternateContent xmlns:mc="http://schemas.openxmlformats.org/markup-compatibility/2006" xmlns:p14="http://schemas.microsoft.com/office/powerpoint/2010/main">
+    <mc:Choice Requires="p14">
+      <p:transition spd="med" p14:dur="700">
+        <p:fade/>
+      </p:transition>
+    </mc:Choice>
+    <mc:Fallback xmlns="">
+      <p:transition spd="med">
+        <p:fade/>
+      </p:transition>
+    </mc:Fallback>
+  </mc:AlternateContent>
+</p:sld>
+</file>
+
+<file path=ppt/slides/slide3.xml><?xml version="1.0" encoding="utf-8"?>
+<p:sld xmlns:a="http://schemas.openxmlformats.org/drawingml/2006/main" xmlns:r="http://schemas.openxmlformats.org/officeDocument/2006/relationships" xmlns:p="http://schemas.openxmlformats.org/presentationml/2006/main">
+  <p:cSld>
+    <p:spTree>
+      <p:nvGrpSpPr>
+        <p:cNvPr id="1" name=""/>
+        <p:cNvGrpSpPr/>
+        <p:nvPr/>
+      </p:nvGrpSpPr>
+      <p:grpSpPr>
+        <a:xfrm>
+          <a:off x="0" y="0"/>
+          <a:ext cx="0" cy="0"/>
+          <a:chOff x="0" y="0"/>
+          <a:chExt cx="0" cy="0"/>
+        </a:xfrm>
+      </p:grpSpPr>
+      <p:sp>
+        <p:nvSpPr>
+          <p:cNvPr id="2" name="제목 1"/>
+          <p:cNvSpPr>
+            <a:spLocks noGrp="1"/>
+          </p:cNvSpPr>
+          <p:nvPr>
+            <p:ph type="title"/>
+          </p:nvPr>
+        </p:nvSpPr>
+        <p:spPr/>
+        <p:txBody>
+          <a:bodyPr rtlCol="0"/>
+          <a:lstStyle/>
+          <a:p>
+            <a:pPr rtl="0"/>
+            <a:r>
+              <a:rPr lang="en-US" altLang="ko-KR" dirty="0"/>
+              <a:t>Introduction</a:t>
+            </a:r>
+            <a:endParaRPr lang="ko-KR" altLang="en-US" dirty="0"/>
+          </a:p>
+        </p:txBody>
+      </p:sp>
+      <p:pic>
+        <p:nvPicPr>
+          <p:cNvPr id="12" name="내용 개체 틀 11" descr="텍스트이(가) 표시된 사진&#10;&#10;자동 생성된 설명">
+            <a:extLst>
+              <a:ext uri="{FF2B5EF4-FFF2-40B4-BE49-F238E27FC236}">
+                <a16:creationId xmlns:a16="http://schemas.microsoft.com/office/drawing/2014/main" id="{2516CEBD-8E1A-4388-AF34-334675F0AAF1}"/>
+              </a:ext>
+            </a:extLst>
+          </p:cNvPr>
+          <p:cNvPicPr>
+            <a:picLocks noGrp="1" noChangeAspect="1"/>
+          </p:cNvPicPr>
+          <p:nvPr>
+            <p:ph idx="1"/>
+          </p:nvPr>
+        </p:nvPicPr>
+        <p:blipFill>
+          <a:blip r:embed="rId3">
+            <a:extLst>
+              <a:ext uri="{28A0092B-C50C-407E-A947-70E740481C1C}">
+                <a14:useLocalDpi xmlns:a14="http://schemas.microsoft.com/office/drawing/2010/main" val="0"/>
+              </a:ext>
+            </a:extLst>
+          </a:blip>
+          <a:stretch>
+            <a:fillRect/>
+          </a:stretch>
+        </p:blipFill>
+        <p:spPr>
+          <a:xfrm>
+            <a:off x="1038789" y="2510425"/>
+            <a:ext cx="5863275" cy="3101236"/>
+          </a:xfrm>
+        </p:spPr>
+      </p:pic>
+      <p:pic>
+        <p:nvPicPr>
+          <p:cNvPr id="1028" name="Picture 4" descr="인스타도 손뗀다… 불신의 늪에 빠진 AI 알고리즘 - 조선일보">
+            <a:extLst>
+              <a:ext uri="{FF2B5EF4-FFF2-40B4-BE49-F238E27FC236}">
+                <a16:creationId xmlns:a16="http://schemas.microsoft.com/office/drawing/2014/main" id="{FC8D2C27-8067-FF70-36CE-7E7583D71C67}"/>
+              </a:ext>
+            </a:extLst>
+          </p:cNvPr>
+          <p:cNvPicPr>
+            <a:picLocks noChangeAspect="1" noChangeArrowheads="1"/>
+          </p:cNvPicPr>
+          <p:nvPr/>
+        </p:nvPicPr>
+        <p:blipFill>
+          <a:blip r:embed="rId4">
+            <a:extLst>
+              <a:ext uri="{28A0092B-C50C-407E-A947-70E740481C1C}">
+                <a14:useLocalDpi xmlns:a14="http://schemas.microsoft.com/office/drawing/2010/main" val="0"/>
+              </a:ext>
+            </a:extLst>
+          </a:blip>
+          <a:srcRect/>
+          <a:stretch>
+            <a:fillRect/>
+          </a:stretch>
+        </p:blipFill>
+        <p:spPr bwMode="auto">
+          <a:xfrm>
+            <a:off x="7804195" y="1448344"/>
+            <a:ext cx="3928458" cy="2907059"/>
+          </a:xfrm>
+          <a:prstGeom prst="rect">
+            <a:avLst/>
+          </a:prstGeom>
+          <a:noFill/>
+          <a:extLst>
+            <a:ext uri="{909E8E84-426E-40DD-AFC4-6F175D3DCCD1}">
+              <a14:hiddenFill xmlns:a14="http://schemas.microsoft.com/office/drawing/2010/main">
+                <a:solidFill>
+                  <a:srgbClr val="FFFFFF"/>
+                </a:solidFill>
+              </a14:hiddenFill>
+            </a:ext>
+          </a:extLst>
+        </p:spPr>
+      </p:pic>
+    </p:spTree>
+    <p:extLst>
+      <p:ext uri="{BB962C8B-B14F-4D97-AF65-F5344CB8AC3E}">
+        <p14:creationId xmlns:p14="http://schemas.microsoft.com/office/powerpoint/2010/main" val="997860157"/>
+      </p:ext>
+    </p:extLst>
+  </p:cSld>
+  <p:clrMapOvr>
+    <a:masterClrMapping/>
+  </p:clrMapOvr>
+  <mc:AlternateContent xmlns:mc="http://schemas.openxmlformats.org/markup-compatibility/2006" xmlns:p14="http://schemas.microsoft.com/office/powerpoint/2010/main">
+    <mc:Choice Requires="p14">
+      <p:transition spd="med" p14:dur="700">
+        <p:fade/>
+      </p:transition>
+    </mc:Choice>
+    <mc:Fallback xmlns="">
+      <p:transition spd="med">
+        <p:fade/>
+      </p:transition>
+    </mc:Fallback>
+  </mc:AlternateContent>
+</p:sld>
+</file>
+
+<file path=ppt/slides/slide4.xml><?xml version="1.0" encoding="utf-8"?>
+<p:sld xmlns:a="http://schemas.openxmlformats.org/drawingml/2006/main" xmlns:r="http://schemas.openxmlformats.org/officeDocument/2006/relationships" xmlns:p="http://schemas.openxmlformats.org/presentationml/2006/main">
+  <p:cSld>
+    <p:spTree>
+      <p:nvGrpSpPr>
+        <p:cNvPr id="1" name=""/>
+        <p:cNvGrpSpPr/>
+        <p:nvPr/>
+      </p:nvGrpSpPr>
+      <p:grpSpPr>
+        <a:xfrm>
+          <a:off x="0" y="0"/>
+          <a:ext cx="0" cy="0"/>
+          <a:chOff x="0" y="0"/>
+          <a:chExt cx="0" cy="0"/>
+        </a:xfrm>
+      </p:grpSpPr>
+      <p:sp>
+        <p:nvSpPr>
+          <p:cNvPr id="2" name="제목 1"/>
+          <p:cNvSpPr>
+            <a:spLocks noGrp="1"/>
+          </p:cNvSpPr>
+          <p:nvPr>
+            <p:ph type="title"/>
+          </p:nvPr>
+        </p:nvSpPr>
+        <p:spPr>
+          <a:xfrm>
+            <a:off x="609600" y="1143000"/>
+            <a:ext cx="10972800" cy="1066800"/>
+          </a:xfrm>
+        </p:spPr>
+        <p:txBody>
+          <a:bodyPr rtlCol="0" anchor="ctr">
+            <a:normAutofit/>
+          </a:bodyPr>
+          <a:lstStyle/>
+          <a:p>
+            <a:pPr rtl="0"/>
+            <a:r>
+              <a:rPr lang="en-US" altLang="ko-KR" dirty="0"/>
+              <a:t>Diagrams</a:t>
+            </a:r>
+            <a:endParaRPr lang="ko-KR" altLang="en-US" dirty="0"/>
+          </a:p>
+        </p:txBody>
+      </p:sp>
+      <p:sp>
+        <p:nvSpPr>
+          <p:cNvPr id="3" name="내용 개체 틀 2"/>
+          <p:cNvSpPr>
+            <a:spLocks noGrp="1"/>
+          </p:cNvSpPr>
+          <p:nvPr>
+            <p:ph sz="half" idx="1"/>
+          </p:nvPr>
+        </p:nvSpPr>
+        <p:spPr>
+          <a:xfrm>
+            <a:off x="609600" y="2249425"/>
+            <a:ext cx="5384800" cy="4341875"/>
+          </a:xfrm>
+        </p:spPr>
+        <p:txBody>
+          <a:bodyPr rtlCol="0">
+            <a:normAutofit/>
+          </a:bodyPr>
+          <a:lstStyle/>
+          <a:p>
+            <a:pPr rtl="0"/>
+            <a:r>
+              <a:rPr lang="en-US" altLang="ko-KR" dirty="0"/>
+              <a:t>System Architecture</a:t>
+            </a:r>
+          </a:p>
+        </p:txBody>
+      </p:sp>
+      <p:pic>
+        <p:nvPicPr>
+          <p:cNvPr id="4" name="그림 3">
+            <a:extLst>
+              <a:ext uri="{FF2B5EF4-FFF2-40B4-BE49-F238E27FC236}">
+                <a16:creationId xmlns:a16="http://schemas.microsoft.com/office/drawing/2014/main" id="{2AB82744-0A5F-0A34-4E4C-235716C34A8F}"/>
+              </a:ext>
+            </a:extLst>
+          </p:cNvPr>
+          <p:cNvPicPr>
+            <a:picLocks noChangeAspect="1"/>
+          </p:cNvPicPr>
+          <p:nvPr/>
+        </p:nvPicPr>
+        <p:blipFill>
+          <a:blip r:embed="rId3">
+            <a:extLst>
+              <a:ext uri="{28A0092B-C50C-407E-A947-70E740481C1C}">
+                <a14:useLocalDpi xmlns:a14="http://schemas.microsoft.com/office/drawing/2010/main" val="0"/>
+              </a:ext>
+            </a:extLst>
+          </a:blip>
+          <a:stretch>
+            <a:fillRect/>
+          </a:stretch>
+        </p:blipFill>
+        <p:spPr bwMode="auto">
+          <a:xfrm>
+            <a:off x="4218488" y="2824448"/>
+            <a:ext cx="7228298" cy="3090096"/>
+          </a:xfrm>
+          <a:prstGeom prst="rect">
+            <a:avLst/>
+          </a:prstGeom>
+          <a:noFill/>
+          <a:ln>
+            <a:noFill/>
+          </a:ln>
+        </p:spPr>
+      </p:pic>
+    </p:spTree>
+    <p:extLst>
+      <p:ext uri="{BB962C8B-B14F-4D97-AF65-F5344CB8AC3E}">
+        <p14:creationId xmlns:p14="http://schemas.microsoft.com/office/powerpoint/2010/main" val="4155348868"/>
+      </p:ext>
+    </p:extLst>
+  </p:cSld>
+  <p:clrMapOvr>
+    <a:masterClrMapping/>
+  </p:clrMapOvr>
+  <mc:AlternateContent xmlns:mc="http://schemas.openxmlformats.org/markup-compatibility/2006" xmlns:p14="http://schemas.microsoft.com/office/powerpoint/2010/main">
+    <mc:Choice Requires="p14">
+      <p:transition spd="med" p14:dur="700">
+        <p:fade/>
+      </p:transition>
+    </mc:Choice>
+    <mc:Fallback xmlns="">
+      <p:transition spd="med">
+        <p:fade/>
+      </p:transition>
+    </mc:Fallback>
+  </mc:AlternateContent>
+</p:sld>
+</file>
+
+<file path=ppt/slides/slide5.xml><?xml version="1.0" encoding="utf-8"?>
 <p:sld xmlns:a="http://schemas.openxmlformats.org/drawingml/2006/main" xmlns:r="http://schemas.openxmlformats.org/officeDocument/2006/relationships" xmlns:p="http://schemas.openxmlformats.org/presentationml/2006/main">
   <p:cSld>
     <p:spTree>
@@ -8396,6 +7714,961 @@
     <p:extLst>
       <p:ext uri="{BB962C8B-B14F-4D97-AF65-F5344CB8AC3E}">
         <p14:creationId xmlns:p14="http://schemas.microsoft.com/office/powerpoint/2010/main" val="2822598965"/>
+      </p:ext>
+    </p:extLst>
+  </p:cSld>
+  <p:clrMapOvr>
+    <a:masterClrMapping/>
+  </p:clrMapOvr>
+  <mc:AlternateContent xmlns:mc="http://schemas.openxmlformats.org/markup-compatibility/2006" xmlns:p14="http://schemas.microsoft.com/office/powerpoint/2010/main">
+    <mc:Choice Requires="p14">
+      <p:transition spd="med" p14:dur="700">
+        <p:fade/>
+      </p:transition>
+    </mc:Choice>
+    <mc:Fallback xmlns="">
+      <p:transition spd="med">
+        <p:fade/>
+      </p:transition>
+    </mc:Fallback>
+  </mc:AlternateContent>
+</p:sld>
+</file>
+
+<file path=ppt/slides/slide6.xml><?xml version="1.0" encoding="utf-8"?>
+<p:sld xmlns:a="http://schemas.openxmlformats.org/drawingml/2006/main" xmlns:r="http://schemas.openxmlformats.org/officeDocument/2006/relationships" xmlns:p="http://schemas.openxmlformats.org/presentationml/2006/main">
+  <p:cSld>
+    <p:spTree>
+      <p:nvGrpSpPr>
+        <p:cNvPr id="1" name=""/>
+        <p:cNvGrpSpPr/>
+        <p:nvPr/>
+      </p:nvGrpSpPr>
+      <p:grpSpPr>
+        <a:xfrm>
+          <a:off x="0" y="0"/>
+          <a:ext cx="0" cy="0"/>
+          <a:chOff x="0" y="0"/>
+          <a:chExt cx="0" cy="0"/>
+        </a:xfrm>
+      </p:grpSpPr>
+      <p:sp>
+        <p:nvSpPr>
+          <p:cNvPr id="2" name="제목 1">
+            <a:extLst>
+              <a:ext uri="{FF2B5EF4-FFF2-40B4-BE49-F238E27FC236}">
+                <a16:creationId xmlns:a16="http://schemas.microsoft.com/office/drawing/2014/main" id="{9156696B-0518-73E1-D77C-3D82900737D7}"/>
+              </a:ext>
+            </a:extLst>
+          </p:cNvPr>
+          <p:cNvSpPr>
+            <a:spLocks noGrp="1"/>
+          </p:cNvSpPr>
+          <p:nvPr>
+            <p:ph type="title"/>
+          </p:nvPr>
+        </p:nvSpPr>
+        <p:spPr>
+          <a:xfrm>
+            <a:off x="609600" y="1143000"/>
+            <a:ext cx="10972800" cy="1066800"/>
+          </a:xfrm>
+        </p:spPr>
+        <p:txBody>
+          <a:bodyPr anchor="ctr">
+            <a:normAutofit/>
+          </a:bodyPr>
+          <a:lstStyle/>
+          <a:p>
+            <a:r>
+              <a:rPr lang="en-US" altLang="ko-KR" dirty="0"/>
+              <a:t>Related Works</a:t>
+            </a:r>
+            <a:endParaRPr lang="ko-KR" altLang="en-US" dirty="0"/>
+          </a:p>
+        </p:txBody>
+      </p:sp>
+      <p:sp>
+        <p:nvSpPr>
+          <p:cNvPr id="3" name="내용 개체 틀 2">
+            <a:extLst>
+              <a:ext uri="{FF2B5EF4-FFF2-40B4-BE49-F238E27FC236}">
+                <a16:creationId xmlns:a16="http://schemas.microsoft.com/office/drawing/2014/main" id="{864A1A12-EB80-E1CA-0698-4536435E05BE}"/>
+              </a:ext>
+            </a:extLst>
+          </p:cNvPr>
+          <p:cNvSpPr>
+            <a:spLocks noGrp="1"/>
+          </p:cNvSpPr>
+          <p:nvPr>
+            <p:ph sz="half" idx="1"/>
+          </p:nvPr>
+        </p:nvSpPr>
+        <p:spPr>
+          <a:xfrm>
+            <a:off x="609600" y="2249425"/>
+            <a:ext cx="5384800" cy="4341875"/>
+          </a:xfrm>
+        </p:spPr>
+        <p:txBody>
+          <a:bodyPr>
+            <a:normAutofit/>
+          </a:bodyPr>
+          <a:lstStyle/>
+          <a:p>
+            <a:r>
+              <a:rPr lang="en-US" altLang="ko-KR" dirty="0"/>
+              <a:t>[LSTM Networks]</a:t>
+            </a:r>
+          </a:p>
+          <a:p>
+            <a:endParaRPr lang="en-US" altLang="ko-KR" dirty="0"/>
+          </a:p>
+          <a:p>
+            <a:pPr>
+              <a:buFontTx/>
+              <a:buChar char="-"/>
+            </a:pPr>
+            <a:r>
+              <a:rPr lang="ko-KR" altLang="en-US" dirty="0"/>
+              <a:t>기존 </a:t>
+            </a:r>
+            <a:r>
+              <a:rPr lang="en-US" altLang="ko-KR" dirty="0"/>
+              <a:t>RNN</a:t>
+            </a:r>
+            <a:r>
+              <a:rPr lang="ko-KR" altLang="en-US" dirty="0"/>
+              <a:t>에서 가장 단점이었던 시간이 오래 지남에 따라 이전에 쓰인 문맥을 다시 사용할 수 없다는 점을 극복</a:t>
+            </a:r>
+            <a:endParaRPr lang="en-US" altLang="ko-KR" dirty="0"/>
+          </a:p>
+          <a:p>
+            <a:pPr>
+              <a:buFontTx/>
+              <a:buChar char="-"/>
+            </a:pPr>
+            <a:endParaRPr lang="en-US" altLang="ko-KR" dirty="0"/>
+          </a:p>
+          <a:p>
+            <a:pPr>
+              <a:buFontTx/>
+              <a:buChar char="-"/>
+            </a:pPr>
+            <a:r>
+              <a:rPr lang="en-US" altLang="ko-KR" dirty="0"/>
+              <a:t> forget, input, cell, output</a:t>
+            </a:r>
+            <a:r>
+              <a:rPr lang="ko-KR" altLang="en-US" dirty="0"/>
+              <a:t>의 단계를 거쳐 필요 없는 것과 필요한 것을 구분하여 사용</a:t>
+            </a:r>
+            <a:endParaRPr lang="en-US" altLang="ko-KR" dirty="0"/>
+          </a:p>
+          <a:p>
+            <a:pPr>
+              <a:buFontTx/>
+              <a:buChar char="-"/>
+            </a:pPr>
+            <a:endParaRPr lang="en-US" altLang="ko-KR" dirty="0"/>
+          </a:p>
+          <a:p>
+            <a:pPr>
+              <a:buFontTx/>
+              <a:buChar char="-"/>
+            </a:pPr>
+            <a:endParaRPr lang="en-US" altLang="ko-KR" dirty="0"/>
+          </a:p>
+          <a:p>
+            <a:pPr>
+              <a:buFontTx/>
+              <a:buChar char="-"/>
+            </a:pPr>
+            <a:endParaRPr lang="ko-KR" altLang="en-US" dirty="0"/>
+          </a:p>
+        </p:txBody>
+      </p:sp>
+      <p:pic>
+        <p:nvPicPr>
+          <p:cNvPr id="1026" name="Picture 2" descr="The repeating module in an LSTM contains four interacting layers">
+            <a:extLst>
+              <a:ext uri="{FF2B5EF4-FFF2-40B4-BE49-F238E27FC236}">
+                <a16:creationId xmlns:a16="http://schemas.microsoft.com/office/drawing/2014/main" id="{9B4FEF5C-7981-32D8-DC5B-9D155DFCD926}"/>
+              </a:ext>
+            </a:extLst>
+          </p:cNvPr>
+          <p:cNvPicPr>
+            <a:picLocks noChangeAspect="1" noChangeArrowheads="1"/>
+          </p:cNvPicPr>
+          <p:nvPr/>
+        </p:nvPicPr>
+        <p:blipFill>
+          <a:blip r:embed="rId2">
+            <a:extLst>
+              <a:ext uri="{28A0092B-C50C-407E-A947-70E740481C1C}">
+                <a14:useLocalDpi xmlns:a14="http://schemas.microsoft.com/office/drawing/2010/main" val="0"/>
+              </a:ext>
+            </a:extLst>
+          </a:blip>
+          <a:stretch>
+            <a:fillRect/>
+          </a:stretch>
+        </p:blipFill>
+        <p:spPr bwMode="auto">
+          <a:xfrm>
+            <a:off x="6407462" y="2883735"/>
+            <a:ext cx="5384800" cy="2602664"/>
+          </a:xfrm>
+          <a:prstGeom prst="rect">
+            <a:avLst/>
+          </a:prstGeom>
+          <a:solidFill>
+            <a:srgbClr val="FFFFFF"/>
+          </a:solidFill>
+          <a:extLst>
+            <a:ext uri="{909E8E84-426E-40DD-AFC4-6F175D3DCCD1}">
+              <a14:hiddenFill xmlns:a14="http://schemas.microsoft.com/office/drawing/2010/main">
+                <a:solidFill>
+                  <a:srgbClr val="FFFFFF"/>
+                </a:solidFill>
+              </a14:hiddenFill>
+            </a:ext>
+          </a:extLst>
+        </p:spPr>
+      </p:pic>
+    </p:spTree>
+    <p:extLst>
+      <p:ext uri="{BB962C8B-B14F-4D97-AF65-F5344CB8AC3E}">
+        <p14:creationId xmlns:p14="http://schemas.microsoft.com/office/powerpoint/2010/main" val="3907813684"/>
+      </p:ext>
+    </p:extLst>
+  </p:cSld>
+  <p:clrMapOvr>
+    <a:masterClrMapping/>
+  </p:clrMapOvr>
+  <mc:AlternateContent xmlns:mc="http://schemas.openxmlformats.org/markup-compatibility/2006" xmlns:p14="http://schemas.microsoft.com/office/powerpoint/2010/main">
+    <mc:Choice Requires="p14">
+      <p:transition spd="med" p14:dur="700">
+        <p:fade/>
+      </p:transition>
+    </mc:Choice>
+    <mc:Fallback xmlns="">
+      <p:transition spd="med">
+        <p:fade/>
+      </p:transition>
+    </mc:Fallback>
+  </mc:AlternateContent>
+</p:sld>
+</file>
+
+<file path=ppt/slides/slide7.xml><?xml version="1.0" encoding="utf-8"?>
+<p:sld xmlns:a="http://schemas.openxmlformats.org/drawingml/2006/main" xmlns:r="http://schemas.openxmlformats.org/officeDocument/2006/relationships" xmlns:p="http://schemas.openxmlformats.org/presentationml/2006/main">
+  <p:cSld>
+    <p:spTree>
+      <p:nvGrpSpPr>
+        <p:cNvPr id="1" name=""/>
+        <p:cNvGrpSpPr/>
+        <p:nvPr/>
+      </p:nvGrpSpPr>
+      <p:grpSpPr>
+        <a:xfrm>
+          <a:off x="0" y="0"/>
+          <a:ext cx="0" cy="0"/>
+          <a:chOff x="0" y="0"/>
+          <a:chExt cx="0" cy="0"/>
+        </a:xfrm>
+      </p:grpSpPr>
+      <p:sp>
+        <p:nvSpPr>
+          <p:cNvPr id="2" name="제목 1"/>
+          <p:cNvSpPr>
+            <a:spLocks noGrp="1"/>
+          </p:cNvSpPr>
+          <p:nvPr>
+            <p:ph type="title"/>
+          </p:nvPr>
+        </p:nvSpPr>
+        <p:spPr/>
+        <p:txBody>
+          <a:bodyPr rtlCol="0"/>
+          <a:lstStyle/>
+          <a:p>
+            <a:pPr rtl="0"/>
+            <a:r>
+              <a:rPr lang="en-US" altLang="ko-KR" dirty="0"/>
+              <a:t>Method</a:t>
+            </a:r>
+          </a:p>
+        </p:txBody>
+      </p:sp>
+      <p:sp>
+        <p:nvSpPr>
+          <p:cNvPr id="4" name="사각형: 둥근 모서리 3">
+            <a:extLst>
+              <a:ext uri="{FF2B5EF4-FFF2-40B4-BE49-F238E27FC236}">
+                <a16:creationId xmlns:a16="http://schemas.microsoft.com/office/drawing/2014/main" id="{2526EF9F-8A49-2488-05F0-CBB0115BCB8F}"/>
+              </a:ext>
+            </a:extLst>
+          </p:cNvPr>
+          <p:cNvSpPr/>
+          <p:nvPr/>
+        </p:nvSpPr>
+        <p:spPr>
+          <a:xfrm>
+            <a:off x="609600" y="3535680"/>
+            <a:ext cx="2623892" cy="1398198"/>
+          </a:xfrm>
+          <a:prstGeom prst="roundRect">
+            <a:avLst/>
+          </a:prstGeom>
+          <a:ln>
+            <a:solidFill>
+              <a:schemeClr val="bg1"/>
+            </a:solidFill>
+          </a:ln>
+        </p:spPr>
+        <p:style>
+          <a:lnRef idx="2">
+            <a:schemeClr val="accent1">
+              <a:shade val="50000"/>
+            </a:schemeClr>
+          </a:lnRef>
+          <a:fillRef idx="1">
+            <a:schemeClr val="accent1"/>
+          </a:fillRef>
+          <a:effectRef idx="0">
+            <a:schemeClr val="accent1"/>
+          </a:effectRef>
+          <a:fontRef idx="minor">
+            <a:schemeClr val="lt1"/>
+          </a:fontRef>
+        </p:style>
+        <p:txBody>
+          <a:bodyPr rtlCol="0" anchor="ctr"/>
+          <a:lstStyle/>
+          <a:p>
+            <a:pPr algn="ctr"/>
+            <a:r>
+              <a:rPr lang="ko-KR" altLang="en-US" dirty="0"/>
+              <a:t>사용자 </a:t>
+            </a:r>
+            <a:r>
+              <a:rPr lang="en-US" altLang="ko-KR" dirty="0"/>
+              <a:t>SNS </a:t>
+            </a:r>
+            <a:r>
+              <a:rPr lang="ko-KR" altLang="en-US" dirty="0"/>
+              <a:t>데이터</a:t>
+            </a:r>
+          </a:p>
+        </p:txBody>
+      </p:sp>
+      <p:sp>
+        <p:nvSpPr>
+          <p:cNvPr id="5" name="사각형: 둥근 모서리 4">
+            <a:extLst>
+              <a:ext uri="{FF2B5EF4-FFF2-40B4-BE49-F238E27FC236}">
+                <a16:creationId xmlns:a16="http://schemas.microsoft.com/office/drawing/2014/main" id="{F4346856-8BF0-3139-3993-1CE408CDBEF3}"/>
+              </a:ext>
+            </a:extLst>
+          </p:cNvPr>
+          <p:cNvSpPr/>
+          <p:nvPr/>
+        </p:nvSpPr>
+        <p:spPr>
+          <a:xfrm>
+            <a:off x="4869252" y="3535680"/>
+            <a:ext cx="2623892" cy="1398198"/>
+          </a:xfrm>
+          <a:prstGeom prst="roundRect">
+            <a:avLst/>
+          </a:prstGeom>
+          <a:ln>
+            <a:solidFill>
+              <a:schemeClr val="bg1"/>
+            </a:solidFill>
+          </a:ln>
+        </p:spPr>
+        <p:style>
+          <a:lnRef idx="2">
+            <a:schemeClr val="accent1">
+              <a:shade val="50000"/>
+            </a:schemeClr>
+          </a:lnRef>
+          <a:fillRef idx="1">
+            <a:schemeClr val="accent1"/>
+          </a:fillRef>
+          <a:effectRef idx="0">
+            <a:schemeClr val="accent1"/>
+          </a:effectRef>
+          <a:fontRef idx="minor">
+            <a:schemeClr val="lt1"/>
+          </a:fontRef>
+        </p:style>
+        <p:txBody>
+          <a:bodyPr rtlCol="0" anchor="ctr"/>
+          <a:lstStyle/>
+          <a:p>
+            <a:pPr algn="ctr"/>
+            <a:r>
+              <a:rPr lang="ko-KR" altLang="en-US" dirty="0"/>
+              <a:t>감성분류 모델</a:t>
+            </a:r>
+          </a:p>
+        </p:txBody>
+      </p:sp>
+      <p:sp>
+        <p:nvSpPr>
+          <p:cNvPr id="7" name="사각형: 둥근 모서리 6">
+            <a:extLst>
+              <a:ext uri="{FF2B5EF4-FFF2-40B4-BE49-F238E27FC236}">
+                <a16:creationId xmlns:a16="http://schemas.microsoft.com/office/drawing/2014/main" id="{825DB4A7-58CD-1FC6-7458-5EBE406869D3}"/>
+              </a:ext>
+            </a:extLst>
+          </p:cNvPr>
+          <p:cNvSpPr/>
+          <p:nvPr/>
+        </p:nvSpPr>
+        <p:spPr>
+          <a:xfrm>
+            <a:off x="9128904" y="3535680"/>
+            <a:ext cx="2623892" cy="1398198"/>
+          </a:xfrm>
+          <a:prstGeom prst="roundRect">
+            <a:avLst/>
+          </a:prstGeom>
+          <a:ln>
+            <a:solidFill>
+              <a:schemeClr val="bg1"/>
+            </a:solidFill>
+          </a:ln>
+        </p:spPr>
+        <p:style>
+          <a:lnRef idx="2">
+            <a:schemeClr val="accent1">
+              <a:shade val="50000"/>
+            </a:schemeClr>
+          </a:lnRef>
+          <a:fillRef idx="1">
+            <a:schemeClr val="accent1"/>
+          </a:fillRef>
+          <a:effectRef idx="0">
+            <a:schemeClr val="accent1"/>
+          </a:effectRef>
+          <a:fontRef idx="minor">
+            <a:schemeClr val="lt1"/>
+          </a:fontRef>
+        </p:style>
+        <p:txBody>
+          <a:bodyPr rtlCol="0" anchor="ctr"/>
+          <a:lstStyle/>
+          <a:p>
+            <a:pPr algn="ctr"/>
+            <a:r>
+              <a:rPr lang="ko-KR" altLang="en-US" dirty="0"/>
+              <a:t>영화 추천</a:t>
+            </a:r>
+          </a:p>
+        </p:txBody>
+      </p:sp>
+      <p:sp>
+        <p:nvSpPr>
+          <p:cNvPr id="10" name="화살표: 오른쪽 9">
+            <a:extLst>
+              <a:ext uri="{FF2B5EF4-FFF2-40B4-BE49-F238E27FC236}">
+                <a16:creationId xmlns:a16="http://schemas.microsoft.com/office/drawing/2014/main" id="{628567F8-EA0B-5F17-5C08-BC9344B1AF62}"/>
+              </a:ext>
+            </a:extLst>
+          </p:cNvPr>
+          <p:cNvSpPr/>
+          <p:nvPr/>
+        </p:nvSpPr>
+        <p:spPr>
+          <a:xfrm>
+            <a:off x="3566160" y="4013200"/>
+            <a:ext cx="975360" cy="483122"/>
+          </a:xfrm>
+          <a:prstGeom prst="rightArrow">
+            <a:avLst/>
+          </a:prstGeom>
+          <a:ln>
+            <a:solidFill>
+              <a:schemeClr val="bg1"/>
+            </a:solidFill>
+          </a:ln>
+          <a:effectLst>
+            <a:softEdge rad="12700"/>
+          </a:effectLst>
+        </p:spPr>
+        <p:style>
+          <a:lnRef idx="2">
+            <a:schemeClr val="accent1">
+              <a:shade val="50000"/>
+            </a:schemeClr>
+          </a:lnRef>
+          <a:fillRef idx="1">
+            <a:schemeClr val="accent1"/>
+          </a:fillRef>
+          <a:effectRef idx="0">
+            <a:schemeClr val="accent1"/>
+          </a:effectRef>
+          <a:fontRef idx="minor">
+            <a:schemeClr val="lt1"/>
+          </a:fontRef>
+        </p:style>
+        <p:txBody>
+          <a:bodyPr rtlCol="0" anchor="ctr"/>
+          <a:lstStyle/>
+          <a:p>
+            <a:pPr algn="ctr"/>
+            <a:endParaRPr lang="ko-KR" altLang="en-US"/>
+          </a:p>
+        </p:txBody>
+      </p:sp>
+      <p:sp>
+        <p:nvSpPr>
+          <p:cNvPr id="11" name="화살표: 오른쪽 10">
+            <a:extLst>
+              <a:ext uri="{FF2B5EF4-FFF2-40B4-BE49-F238E27FC236}">
+                <a16:creationId xmlns:a16="http://schemas.microsoft.com/office/drawing/2014/main" id="{7843B21F-36CD-7340-9DD1-9C2718C26655}"/>
+              </a:ext>
+            </a:extLst>
+          </p:cNvPr>
+          <p:cNvSpPr/>
+          <p:nvPr/>
+        </p:nvSpPr>
+        <p:spPr>
+          <a:xfrm>
+            <a:off x="7820876" y="3993218"/>
+            <a:ext cx="975360" cy="483122"/>
+          </a:xfrm>
+          <a:prstGeom prst="rightArrow">
+            <a:avLst/>
+          </a:prstGeom>
+          <a:ln>
+            <a:solidFill>
+              <a:schemeClr val="bg1"/>
+            </a:solidFill>
+          </a:ln>
+          <a:effectLst>
+            <a:softEdge rad="12700"/>
+          </a:effectLst>
+        </p:spPr>
+        <p:style>
+          <a:lnRef idx="2">
+            <a:schemeClr val="accent1">
+              <a:shade val="50000"/>
+            </a:schemeClr>
+          </a:lnRef>
+          <a:fillRef idx="1">
+            <a:schemeClr val="accent1"/>
+          </a:fillRef>
+          <a:effectRef idx="0">
+            <a:schemeClr val="accent1"/>
+          </a:effectRef>
+          <a:fontRef idx="minor">
+            <a:schemeClr val="lt1"/>
+          </a:fontRef>
+        </p:style>
+        <p:txBody>
+          <a:bodyPr rtlCol="0" anchor="ctr"/>
+          <a:lstStyle/>
+          <a:p>
+            <a:pPr algn="ctr"/>
+            <a:endParaRPr lang="ko-KR" altLang="en-US"/>
+          </a:p>
+        </p:txBody>
+      </p:sp>
+    </p:spTree>
+    <p:extLst>
+      <p:ext uri="{BB962C8B-B14F-4D97-AF65-F5344CB8AC3E}">
+        <p14:creationId xmlns:p14="http://schemas.microsoft.com/office/powerpoint/2010/main" val="384888077"/>
+      </p:ext>
+    </p:extLst>
+  </p:cSld>
+  <p:clrMapOvr>
+    <a:masterClrMapping/>
+  </p:clrMapOvr>
+  <mc:AlternateContent xmlns:mc="http://schemas.openxmlformats.org/markup-compatibility/2006" xmlns:p14="http://schemas.microsoft.com/office/powerpoint/2010/main">
+    <mc:Choice Requires="p14">
+      <p:transition spd="med" p14:dur="700">
+        <p:fade/>
+      </p:transition>
+    </mc:Choice>
+    <mc:Fallback xmlns="">
+      <p:transition spd="med">
+        <p:fade/>
+      </p:transition>
+    </mc:Fallback>
+  </mc:AlternateContent>
+</p:sld>
+</file>
+
+<file path=ppt/slides/slide8.xml><?xml version="1.0" encoding="utf-8"?>
+<p:sld xmlns:a="http://schemas.openxmlformats.org/drawingml/2006/main" xmlns:r="http://schemas.openxmlformats.org/officeDocument/2006/relationships" xmlns:p="http://schemas.openxmlformats.org/presentationml/2006/main">
+  <p:cSld>
+    <p:spTree>
+      <p:nvGrpSpPr>
+        <p:cNvPr id="1" name=""/>
+        <p:cNvGrpSpPr/>
+        <p:nvPr/>
+      </p:nvGrpSpPr>
+      <p:grpSpPr>
+        <a:xfrm>
+          <a:off x="0" y="0"/>
+          <a:ext cx="0" cy="0"/>
+          <a:chOff x="0" y="0"/>
+          <a:chExt cx="0" cy="0"/>
+        </a:xfrm>
+      </p:grpSpPr>
+      <p:sp>
+        <p:nvSpPr>
+          <p:cNvPr id="2" name="제목 1"/>
+          <p:cNvSpPr>
+            <a:spLocks noGrp="1"/>
+          </p:cNvSpPr>
+          <p:nvPr>
+            <p:ph type="title"/>
+          </p:nvPr>
+        </p:nvSpPr>
+        <p:spPr>
+          <a:xfrm>
+            <a:off x="609600" y="1143000"/>
+            <a:ext cx="10972800" cy="1066800"/>
+          </a:xfrm>
+        </p:spPr>
+        <p:txBody>
+          <a:bodyPr rtlCol="0" anchor="ctr">
+            <a:normAutofit/>
+          </a:bodyPr>
+          <a:lstStyle/>
+          <a:p>
+            <a:pPr rtl="0"/>
+            <a:r>
+              <a:rPr lang="en-US" altLang="ko-KR" dirty="0"/>
+              <a:t>Method</a:t>
+            </a:r>
+            <a:endParaRPr lang="ko-KR" altLang="en-US" dirty="0"/>
+          </a:p>
+        </p:txBody>
+      </p:sp>
+      <p:sp>
+        <p:nvSpPr>
+          <p:cNvPr id="3" name="내용 개체 틀 2"/>
+          <p:cNvSpPr>
+            <a:spLocks noGrp="1"/>
+          </p:cNvSpPr>
+          <p:nvPr>
+            <p:ph sz="half" idx="1"/>
+          </p:nvPr>
+        </p:nvSpPr>
+        <p:spPr>
+          <a:xfrm>
+            <a:off x="609600" y="2249425"/>
+            <a:ext cx="6517710" cy="4301687"/>
+          </a:xfrm>
+        </p:spPr>
+        <p:txBody>
+          <a:bodyPr rtlCol="0">
+            <a:normAutofit/>
+          </a:bodyPr>
+          <a:lstStyle/>
+          <a:p>
+            <a:pPr rtl="0"/>
+            <a:r>
+              <a:rPr lang="en-US" altLang="ko-KR" dirty="0"/>
+              <a:t>Dataset</a:t>
+            </a:r>
+          </a:p>
+          <a:p>
+            <a:pPr lvl="1"/>
+            <a:endParaRPr lang="en-US" altLang="ko-KR" sz="2000" dirty="0"/>
+          </a:p>
+          <a:p>
+            <a:pPr lvl="1"/>
+            <a:r>
+              <a:rPr lang="en-US" altLang="ko-KR" sz="2000" dirty="0">
+                <a:hlinkClick r:id="rId3"/>
+              </a:rPr>
+              <a:t>https://github.com/e9t/nsmc</a:t>
+            </a:r>
+            <a:r>
+              <a:rPr lang="en-US" altLang="ko-KR" sz="2000" dirty="0"/>
+              <a:t> </a:t>
+            </a:r>
+            <a:r>
+              <a:rPr lang="ko-KR" altLang="en-US" sz="2000" dirty="0"/>
+              <a:t>에서 </a:t>
+            </a:r>
+            <a:r>
+              <a:rPr lang="en-US" altLang="ko-KR" sz="2000" dirty="0"/>
+              <a:t>train</a:t>
+            </a:r>
+            <a:r>
+              <a:rPr lang="ko-KR" altLang="en-US" sz="2000" dirty="0"/>
+              <a:t>과 </a:t>
+            </a:r>
+            <a:r>
+              <a:rPr lang="en-US" altLang="ko-KR" sz="2000" dirty="0"/>
+              <a:t>test </a:t>
+            </a:r>
+            <a:r>
+              <a:rPr lang="ko-KR" altLang="en-US" sz="2000" dirty="0"/>
+              <a:t>셋 획득</a:t>
+            </a:r>
+            <a:endParaRPr lang="en-US" altLang="ko-KR" sz="2000" dirty="0"/>
+          </a:p>
+          <a:p>
+            <a:pPr lvl="1"/>
+            <a:endParaRPr lang="en-US" altLang="ko-KR" sz="2000" dirty="0"/>
+          </a:p>
+          <a:p>
+            <a:pPr lvl="1"/>
+            <a:r>
+              <a:rPr lang="en-US" altLang="ko-KR" sz="2000" dirty="0">
+                <a:hlinkClick r:id="rId4"/>
+              </a:rPr>
+              <a:t>https://movie.naver.com/movie/point/af/list.naver</a:t>
+            </a:r>
+            <a:r>
+              <a:rPr lang="en-US" altLang="ko-KR" sz="2000" dirty="0"/>
+              <a:t> </a:t>
+            </a:r>
+            <a:r>
+              <a:rPr lang="ko-KR" altLang="en-US" sz="2000" dirty="0"/>
+              <a:t>에서 리뷰 데이터 획득</a:t>
+            </a:r>
+            <a:endParaRPr lang="en-US" altLang="ko-KR" sz="2000" dirty="0"/>
+          </a:p>
+        </p:txBody>
+      </p:sp>
+      <p:pic>
+        <p:nvPicPr>
+          <p:cNvPr id="8" name="그림 7">
+            <a:extLst>
+              <a:ext uri="{FF2B5EF4-FFF2-40B4-BE49-F238E27FC236}">
+                <a16:creationId xmlns:a16="http://schemas.microsoft.com/office/drawing/2014/main" id="{668DBCF4-D347-218D-4B30-B1B8332E42EB}"/>
+              </a:ext>
+            </a:extLst>
+          </p:cNvPr>
+          <p:cNvPicPr>
+            <a:picLocks noChangeAspect="1"/>
+          </p:cNvPicPr>
+          <p:nvPr/>
+        </p:nvPicPr>
+        <p:blipFill>
+          <a:blip r:embed="rId5"/>
+          <a:stretch>
+            <a:fillRect/>
+          </a:stretch>
+        </p:blipFill>
+        <p:spPr>
+          <a:xfrm>
+            <a:off x="7598042" y="1676400"/>
+            <a:ext cx="3984358" cy="2051470"/>
+          </a:xfrm>
+          <a:prstGeom prst="rect">
+            <a:avLst/>
+          </a:prstGeom>
+          <a:noFill/>
+        </p:spPr>
+      </p:pic>
+      <p:pic>
+        <p:nvPicPr>
+          <p:cNvPr id="5" name="그림 4">
+            <a:extLst>
+              <a:ext uri="{FF2B5EF4-FFF2-40B4-BE49-F238E27FC236}">
+                <a16:creationId xmlns:a16="http://schemas.microsoft.com/office/drawing/2014/main" id="{DC659A10-B703-4090-2893-08E43924C206}"/>
+              </a:ext>
+            </a:extLst>
+          </p:cNvPr>
+          <p:cNvPicPr>
+            <a:picLocks noChangeAspect="1"/>
+          </p:cNvPicPr>
+          <p:nvPr/>
+        </p:nvPicPr>
+        <p:blipFill>
+          <a:blip r:embed="rId6"/>
+          <a:stretch>
+            <a:fillRect/>
+          </a:stretch>
+        </p:blipFill>
+        <p:spPr>
+          <a:xfrm>
+            <a:off x="5590498" y="4514875"/>
+            <a:ext cx="6096639" cy="1970760"/>
+          </a:xfrm>
+          <a:prstGeom prst="rect">
+            <a:avLst/>
+          </a:prstGeom>
+        </p:spPr>
+      </p:pic>
+    </p:spTree>
+    <p:extLst>
+      <p:ext uri="{BB962C8B-B14F-4D97-AF65-F5344CB8AC3E}">
+        <p14:creationId xmlns:p14="http://schemas.microsoft.com/office/powerpoint/2010/main" val="3514341159"/>
+      </p:ext>
+    </p:extLst>
+  </p:cSld>
+  <p:clrMapOvr>
+    <a:masterClrMapping/>
+  </p:clrMapOvr>
+  <mc:AlternateContent xmlns:mc="http://schemas.openxmlformats.org/markup-compatibility/2006" xmlns:p14="http://schemas.microsoft.com/office/powerpoint/2010/main">
+    <mc:Choice Requires="p14">
+      <p:transition spd="med" p14:dur="700">
+        <p:fade/>
+      </p:transition>
+    </mc:Choice>
+    <mc:Fallback xmlns="">
+      <p:transition spd="med">
+        <p:fade/>
+      </p:transition>
+    </mc:Fallback>
+  </mc:AlternateContent>
+</p:sld>
+</file>
+
+<file path=ppt/slides/slide9.xml><?xml version="1.0" encoding="utf-8"?>
+<p:sld xmlns:a="http://schemas.openxmlformats.org/drawingml/2006/main" xmlns:r="http://schemas.openxmlformats.org/officeDocument/2006/relationships" xmlns:p="http://schemas.openxmlformats.org/presentationml/2006/main">
+  <p:cSld>
+    <p:spTree>
+      <p:nvGrpSpPr>
+        <p:cNvPr id="1" name=""/>
+        <p:cNvGrpSpPr/>
+        <p:nvPr/>
+      </p:nvGrpSpPr>
+      <p:grpSpPr>
+        <a:xfrm>
+          <a:off x="0" y="0"/>
+          <a:ext cx="0" cy="0"/>
+          <a:chOff x="0" y="0"/>
+          <a:chExt cx="0" cy="0"/>
+        </a:xfrm>
+      </p:grpSpPr>
+      <p:sp>
+        <p:nvSpPr>
+          <p:cNvPr id="2" name="제목 1"/>
+          <p:cNvSpPr>
+            <a:spLocks noGrp="1"/>
+          </p:cNvSpPr>
+          <p:nvPr>
+            <p:ph type="title"/>
+          </p:nvPr>
+        </p:nvSpPr>
+        <p:spPr/>
+        <p:txBody>
+          <a:bodyPr rtlCol="0"/>
+          <a:lstStyle/>
+          <a:p>
+            <a:pPr rtl="0"/>
+            <a:r>
+              <a:rPr lang="en-US" altLang="ko-KR" dirty="0"/>
+              <a:t>Method</a:t>
+            </a:r>
+            <a:endParaRPr lang="ko-KR" altLang="en-US" dirty="0"/>
+          </a:p>
+        </p:txBody>
+      </p:sp>
+      <p:pic>
+        <p:nvPicPr>
+          <p:cNvPr id="4098" name="Picture 2">
+            <a:extLst>
+              <a:ext uri="{FF2B5EF4-FFF2-40B4-BE49-F238E27FC236}">
+                <a16:creationId xmlns:a16="http://schemas.microsoft.com/office/drawing/2014/main" id="{34E542FC-D89D-AD68-455A-99AB33B41C40}"/>
+              </a:ext>
+            </a:extLst>
+          </p:cNvPr>
+          <p:cNvPicPr>
+            <a:picLocks noGrp="1" noChangeAspect="1" noChangeArrowheads="1"/>
+          </p:cNvPicPr>
+          <p:nvPr>
+            <p:ph idx="1"/>
+          </p:nvPr>
+        </p:nvPicPr>
+        <p:blipFill>
+          <a:blip r:embed="rId3">
+            <a:extLst>
+              <a:ext uri="{28A0092B-C50C-407E-A947-70E740481C1C}">
+                <a14:useLocalDpi xmlns:a14="http://schemas.microsoft.com/office/drawing/2010/main" val="0"/>
+              </a:ext>
+            </a:extLst>
+          </a:blip>
+          <a:srcRect/>
+          <a:stretch>
+            <a:fillRect/>
+          </a:stretch>
+        </p:blipFill>
+        <p:spPr bwMode="auto">
+          <a:xfrm>
+            <a:off x="1040482" y="2541429"/>
+            <a:ext cx="4360144" cy="3045180"/>
+          </a:xfrm>
+          <a:prstGeom prst="rect">
+            <a:avLst/>
+          </a:prstGeom>
+          <a:noFill/>
+          <a:extLst>
+            <a:ext uri="{909E8E84-426E-40DD-AFC4-6F175D3DCCD1}">
+              <a14:hiddenFill xmlns:a14="http://schemas.microsoft.com/office/drawing/2010/main">
+                <a:solidFill>
+                  <a:srgbClr val="FFFFFF"/>
+                </a:solidFill>
+              </a14:hiddenFill>
+            </a:ext>
+          </a:extLst>
+        </p:spPr>
+      </p:pic>
+      <p:pic>
+        <p:nvPicPr>
+          <p:cNvPr id="4100" name="Picture 4">
+            <a:extLst>
+              <a:ext uri="{FF2B5EF4-FFF2-40B4-BE49-F238E27FC236}">
+                <a16:creationId xmlns:a16="http://schemas.microsoft.com/office/drawing/2014/main" id="{6CE6EA74-BAA6-E894-EF56-23250877EF4E}"/>
+              </a:ext>
+            </a:extLst>
+          </p:cNvPr>
+          <p:cNvPicPr>
+            <a:picLocks noChangeAspect="1" noChangeArrowheads="1"/>
+          </p:cNvPicPr>
+          <p:nvPr/>
+        </p:nvPicPr>
+        <p:blipFill>
+          <a:blip r:embed="rId4">
+            <a:extLst>
+              <a:ext uri="{28A0092B-C50C-407E-A947-70E740481C1C}">
+                <a14:useLocalDpi xmlns:a14="http://schemas.microsoft.com/office/drawing/2010/main" val="0"/>
+              </a:ext>
+            </a:extLst>
+          </a:blip>
+          <a:srcRect/>
+          <a:stretch>
+            <a:fillRect/>
+          </a:stretch>
+        </p:blipFill>
+        <p:spPr bwMode="auto">
+          <a:xfrm>
+            <a:off x="6470042" y="2541429"/>
+            <a:ext cx="4360144" cy="3045180"/>
+          </a:xfrm>
+          <a:prstGeom prst="rect">
+            <a:avLst/>
+          </a:prstGeom>
+          <a:noFill/>
+          <a:extLst>
+            <a:ext uri="{909E8E84-426E-40DD-AFC4-6F175D3DCCD1}">
+              <a14:hiddenFill xmlns:a14="http://schemas.microsoft.com/office/drawing/2010/main">
+                <a:solidFill>
+                  <a:srgbClr val="FFFFFF"/>
+                </a:solidFill>
+              </a14:hiddenFill>
+            </a:ext>
+          </a:extLst>
+        </p:spPr>
+      </p:pic>
+    </p:spTree>
+    <p:extLst>
+      <p:ext uri="{BB962C8B-B14F-4D97-AF65-F5344CB8AC3E}">
+        <p14:creationId xmlns:p14="http://schemas.microsoft.com/office/powerpoint/2010/main" val="3046085847"/>
       </p:ext>
     </p:extLst>
   </p:cSld>
